--- a/paper/img/biopsykit_overview_figure.pptx
+++ b/paper/img/biopsykit_overview_figure.pptx
@@ -104,6 +104,11 @@
       </a:defRPr>
     </a:lvl9pPr>
   </p:defaultTextStyle>
+  <p:extLst>
+    <p:ext uri="{EFAFB233-063F-42B5-8137-9DF3F51BA10A}">
+      <p15:sldGuideLst xmlns:p15="http://schemas.microsoft.com/office/powerpoint/2012/main"/>
+    </p:ext>
+  </p:extLst>
 </p:presentation>
 </file>
 
@@ -238,7 +243,7 @@
           <a:p>
             <a:fld id="{C1D125CB-8DCC-074C-B65D-BDD387DAFE24}" type="datetimeFigureOut">
               <a:rPr lang="en-DE" smtClean="0"/>
-              <a:t>31.08.21</a:t>
+              <a:t>30.09.21</a:t>
             </a:fld>
             <a:endParaRPr lang="en-DE"/>
           </a:p>
@@ -408,7 +413,7 @@
           <a:p>
             <a:fld id="{C1D125CB-8DCC-074C-B65D-BDD387DAFE24}" type="datetimeFigureOut">
               <a:rPr lang="en-DE" smtClean="0"/>
-              <a:t>31.08.21</a:t>
+              <a:t>30.09.21</a:t>
             </a:fld>
             <a:endParaRPr lang="en-DE"/>
           </a:p>
@@ -588,7 +593,7 @@
           <a:p>
             <a:fld id="{C1D125CB-8DCC-074C-B65D-BDD387DAFE24}" type="datetimeFigureOut">
               <a:rPr lang="en-DE" smtClean="0"/>
-              <a:t>31.08.21</a:t>
+              <a:t>30.09.21</a:t>
             </a:fld>
             <a:endParaRPr lang="en-DE"/>
           </a:p>
@@ -696,14 +701,14 @@
           </a:ln>
           <a:extLst>
             <a:ext uri="{909E8E84-426E-40dd-AFC4-6F175D3DCCD1}">
-              <a14:hiddenFill xmlns="" xmlns:a14="http://schemas.microsoft.com/office/drawing/2010/main">
+              <a14:hiddenFill xmlns:a14="http://schemas.microsoft.com/office/drawing/2010/main" xmlns="">
                 <a:solidFill>
                   <a:srgbClr val="FFFFFF"/>
                 </a:solidFill>
               </a14:hiddenFill>
             </a:ext>
             <a:ext uri="{91240B29-F687-4f45-9708-019B960494DF}">
-              <a14:hiddenLine xmlns="" xmlns:a14="http://schemas.microsoft.com/office/drawing/2010/main" w="9525">
+              <a14:hiddenLine xmlns:a14="http://schemas.microsoft.com/office/drawing/2010/main" xmlns="" w="9525">
                 <a:solidFill>
                   <a:srgbClr val="000000"/>
                 </a:solidFill>
@@ -713,7 +718,7 @@
               </a14:hiddenLine>
             </a:ext>
             <a:ext uri="{FAA26D3D-D897-4be2-8F04-BA451C77F1D7}">
-              <ma14:placeholderFlag xmlns="" xmlns:ma14="http://schemas.microsoft.com/office/mac/drawingml/2011/main" val="1"/>
+              <ma14:placeholderFlag xmlns:ma14="http://schemas.microsoft.com/office/mac/drawingml/2011/main" xmlns="" val="1"/>
             </a:ext>
           </a:extLst>
         </p:spPr>
@@ -919,7 +924,7 @@
           <a:p>
             <a:fld id="{C1D125CB-8DCC-074C-B65D-BDD387DAFE24}" type="datetimeFigureOut">
               <a:rPr lang="en-DE" smtClean="0"/>
-              <a:t>31.08.21</a:t>
+              <a:t>30.09.21</a:t>
             </a:fld>
             <a:endParaRPr lang="en-DE"/>
           </a:p>
@@ -1163,7 +1168,7 @@
           <a:p>
             <a:fld id="{C1D125CB-8DCC-074C-B65D-BDD387DAFE24}" type="datetimeFigureOut">
               <a:rPr lang="en-DE" smtClean="0"/>
-              <a:t>31.08.21</a:t>
+              <a:t>30.09.21</a:t>
             </a:fld>
             <a:endParaRPr lang="en-DE"/>
           </a:p>
@@ -1395,7 +1400,7 @@
           <a:p>
             <a:fld id="{C1D125CB-8DCC-074C-B65D-BDD387DAFE24}" type="datetimeFigureOut">
               <a:rPr lang="en-DE" smtClean="0"/>
-              <a:t>31.08.21</a:t>
+              <a:t>30.09.21</a:t>
             </a:fld>
             <a:endParaRPr lang="en-DE"/>
           </a:p>
@@ -1762,7 +1767,7 @@
           <a:p>
             <a:fld id="{C1D125CB-8DCC-074C-B65D-BDD387DAFE24}" type="datetimeFigureOut">
               <a:rPr lang="en-DE" smtClean="0"/>
-              <a:t>31.08.21</a:t>
+              <a:t>30.09.21</a:t>
             </a:fld>
             <a:endParaRPr lang="en-DE"/>
           </a:p>
@@ -1880,7 +1885,7 @@
           <a:p>
             <a:fld id="{C1D125CB-8DCC-074C-B65D-BDD387DAFE24}" type="datetimeFigureOut">
               <a:rPr lang="en-DE" smtClean="0"/>
-              <a:t>31.08.21</a:t>
+              <a:t>30.09.21</a:t>
             </a:fld>
             <a:endParaRPr lang="en-DE"/>
           </a:p>
@@ -1975,7 +1980,7 @@
           <a:p>
             <a:fld id="{C1D125CB-8DCC-074C-B65D-BDD387DAFE24}" type="datetimeFigureOut">
               <a:rPr lang="en-DE" smtClean="0"/>
-              <a:t>31.08.21</a:t>
+              <a:t>30.09.21</a:t>
             </a:fld>
             <a:endParaRPr lang="en-DE"/>
           </a:p>
@@ -2252,7 +2257,7 @@
           <a:p>
             <a:fld id="{C1D125CB-8DCC-074C-B65D-BDD387DAFE24}" type="datetimeFigureOut">
               <a:rPr lang="en-DE" smtClean="0"/>
-              <a:t>31.08.21</a:t>
+              <a:t>30.09.21</a:t>
             </a:fld>
             <a:endParaRPr lang="en-DE"/>
           </a:p>
@@ -2509,7 +2514,7 @@
           <a:p>
             <a:fld id="{C1D125CB-8DCC-074C-B65D-BDD387DAFE24}" type="datetimeFigureOut">
               <a:rPr lang="en-DE" smtClean="0"/>
-              <a:t>31.08.21</a:t>
+              <a:t>30.09.21</a:t>
             </a:fld>
             <a:endParaRPr lang="en-DE"/>
           </a:p>
@@ -2722,7 +2727,7 @@
           <a:p>
             <a:fld id="{C1D125CB-8DCC-074C-B65D-BDD387DAFE24}" type="datetimeFigureOut">
               <a:rPr lang="en-DE" smtClean="0"/>
-              <a:t>31.08.21</a:t>
+              <a:t>30.09.21</a:t>
             </a:fld>
             <a:endParaRPr lang="en-DE"/>
           </a:p>
@@ -5151,7 +5156,7 @@
                   <a:ea typeface="ＭＳ Ｐゴシック" charset="0"/>
                   <a:cs typeface="Arial" panose="020B0604020202020204" pitchFamily="34" charset="0"/>
                 </a:rPr>
-                <a:t>Questionnaire Score Computation</a:t>
+                <a:t>Data Handling &amp; Manipulation</a:t>
               </a:r>
             </a:p>
             <a:p>
@@ -5166,7 +5171,7 @@
                   <a:ea typeface="ＭＳ Ｐゴシック" charset="0"/>
                   <a:cs typeface="Arial" panose="020B0604020202020204" pitchFamily="34" charset="0"/>
                 </a:rPr>
-                <a:t>Data Handling &amp; Manipulation</a:t>
+                <a:t>Questionnaire Score Computation</a:t>
               </a:r>
             </a:p>
             <a:p>
@@ -5312,9 +5317,9 @@
         <p:grpSpPr>
           <a:xfrm>
             <a:off x="12301009" y="2079484"/>
-            <a:ext cx="4596064" cy="11427999"/>
+            <a:ext cx="4596064" cy="10994865"/>
             <a:chOff x="12301009" y="2136949"/>
-            <a:chExt cx="4596064" cy="11427999"/>
+            <a:chExt cx="4596064" cy="10994865"/>
           </a:xfrm>
         </p:grpSpPr>
         <p:sp>
@@ -5395,7 +5400,7 @@
           </p:nvSpPr>
           <p:spPr>
             <a:xfrm>
-              <a:off x="13031743" y="6204372"/>
+              <a:off x="13031743" y="5771238"/>
               <a:ext cx="3855600" cy="1956247"/>
             </a:xfrm>
             <a:prstGeom prst="roundRect">
@@ -5483,7 +5488,7 @@
           </p:nvSpPr>
           <p:spPr>
             <a:xfrm>
-              <a:off x="13031809" y="6204373"/>
+              <a:off x="13031809" y="5771239"/>
               <a:ext cx="3855600" cy="596293"/>
             </a:xfrm>
             <a:prstGeom prst="roundRect">
@@ -5547,7 +5552,7 @@
           </p:nvSpPr>
           <p:spPr>
             <a:xfrm>
-              <a:off x="13031743" y="10124552"/>
+              <a:off x="13031743" y="9691418"/>
               <a:ext cx="3865330" cy="3440396"/>
             </a:xfrm>
             <a:prstGeom prst="roundRect">
@@ -5689,7 +5694,7 @@
           </p:nvSpPr>
           <p:spPr>
             <a:xfrm>
-              <a:off x="13031809" y="10124553"/>
+              <a:off x="13031809" y="9691419"/>
               <a:ext cx="3855600" cy="596293"/>
             </a:xfrm>
             <a:prstGeom prst="roundRect">
@@ -5718,7 +5723,7 @@
                 <a:defRPr/>
               </a:pPr>
               <a:r>
-                <a:rPr lang="en-US" sz="3200" b="1" dirty="0" err="1">
+                <a:rPr lang="en-US" sz="3200" b="1" dirty="0">
                   <a:solidFill>
                     <a:srgbClr val="FFFFFF"/>
                   </a:solidFill>
@@ -5726,7 +5731,7 @@
                   <a:ea typeface="ＭＳ Ｐゴシック" charset="0"/>
                   <a:cs typeface="Courier New" panose="02070309020205020404" pitchFamily="49" charset="0"/>
                 </a:rPr>
-                <a:t>data_handling</a:t>
+                <a:t>utils</a:t>
               </a:r>
               <a:endParaRPr lang="en-US" sz="2400" b="1" dirty="0">
                 <a:solidFill>
@@ -5810,8 +5815,8 @@
           </p:nvCxnSpPr>
           <p:spPr>
             <a:xfrm rot="16200000" flipH="1">
-              <a:off x="11117464" y="4588175"/>
-              <a:ext cx="3359146" cy="469543"/>
+              <a:off x="11334031" y="4371608"/>
+              <a:ext cx="2926012" cy="469543"/>
             </a:xfrm>
             <a:prstGeom prst="bentConnector2">
               <a:avLst/>
@@ -5856,8 +5861,8 @@
           </p:nvCxnSpPr>
           <p:spPr>
             <a:xfrm rot="16200000" flipH="1">
-              <a:off x="9157374" y="6548265"/>
-              <a:ext cx="7279326" cy="469543"/>
+              <a:off x="9373941" y="6331698"/>
+              <a:ext cx="6846192" cy="469543"/>
             </a:xfrm>
             <a:prstGeom prst="bentConnector2">
               <a:avLst/>
@@ -5899,7 +5904,7 @@
           <p:spPr>
             <a:xfrm>
               <a:off x="13031743" y="3327865"/>
-              <a:ext cx="3865330" cy="2683154"/>
+              <a:ext cx="3865330" cy="2296421"/>
             </a:xfrm>
             <a:prstGeom prst="roundRect">
               <a:avLst>
@@ -5983,21 +5988,6 @@
                   <a:cs typeface="Arial" panose="020B0604020202020204" pitchFamily="34" charset="0"/>
                 </a:rPr>
                 <a:t>CAR</a:t>
-              </a:r>
-            </a:p>
-            <a:p>
-              <a:pPr marL="342900" indent="-342900" fontAlgn="base">
-                <a:buFont typeface="Arial" panose="020B0604020202020204" pitchFamily="34" charset="0"/>
-                <a:buChar char="•"/>
-                <a:defRPr/>
-              </a:pPr>
-              <a:r>
-                <a:rPr lang="en-US" sz="2400" dirty="0">
-                  <a:latin typeface="Arial" panose="020B0604020202020204" pitchFamily="34" charset="0"/>
-                  <a:ea typeface="ＭＳ Ｐゴシック" charset="0"/>
-                  <a:cs typeface="Arial" panose="020B0604020202020204" pitchFamily="34" charset="0"/>
-                </a:rPr>
-                <a:t>CFT</a:t>
               </a:r>
             </a:p>
             <a:p>
@@ -6141,7 +6131,7 @@
           </p:nvSpPr>
           <p:spPr>
             <a:xfrm>
-              <a:off x="13031743" y="8327007"/>
+              <a:off x="13031743" y="7893873"/>
               <a:ext cx="3855600" cy="1652197"/>
             </a:xfrm>
             <a:prstGeom prst="roundRect">
@@ -6214,7 +6204,7 @@
           </p:nvSpPr>
           <p:spPr>
             <a:xfrm>
-              <a:off x="13031809" y="8327008"/>
+              <a:off x="13031809" y="7893874"/>
               <a:ext cx="3855600" cy="596293"/>
             </a:xfrm>
             <a:prstGeom prst="roundRect">

--- a/paper/img/biopsykit_overview_figure.pptx
+++ b/paper/img/biopsykit_overview_figure.pptx
@@ -243,7 +243,7 @@
           <a:p>
             <a:fld id="{C1D125CB-8DCC-074C-B65D-BDD387DAFE24}" type="datetimeFigureOut">
               <a:rPr lang="en-DE" smtClean="0"/>
-              <a:t>30.09.21</a:t>
+              <a:t>06.10.21</a:t>
             </a:fld>
             <a:endParaRPr lang="en-DE"/>
           </a:p>
@@ -413,7 +413,7 @@
           <a:p>
             <a:fld id="{C1D125CB-8DCC-074C-B65D-BDD387DAFE24}" type="datetimeFigureOut">
               <a:rPr lang="en-DE" smtClean="0"/>
-              <a:t>30.09.21</a:t>
+              <a:t>06.10.21</a:t>
             </a:fld>
             <a:endParaRPr lang="en-DE"/>
           </a:p>
@@ -593,7 +593,7 @@
           <a:p>
             <a:fld id="{C1D125CB-8DCC-074C-B65D-BDD387DAFE24}" type="datetimeFigureOut">
               <a:rPr lang="en-DE" smtClean="0"/>
-              <a:t>30.09.21</a:t>
+              <a:t>06.10.21</a:t>
             </a:fld>
             <a:endParaRPr lang="en-DE"/>
           </a:p>
@@ -701,14 +701,14 @@
           </a:ln>
           <a:extLst>
             <a:ext uri="{909E8E84-426E-40dd-AFC4-6F175D3DCCD1}">
-              <a14:hiddenFill xmlns:a14="http://schemas.microsoft.com/office/drawing/2010/main" xmlns="">
+              <a14:hiddenFill xmlns="" xmlns:a14="http://schemas.microsoft.com/office/drawing/2010/main">
                 <a:solidFill>
                   <a:srgbClr val="FFFFFF"/>
                 </a:solidFill>
               </a14:hiddenFill>
             </a:ext>
             <a:ext uri="{91240B29-F687-4f45-9708-019B960494DF}">
-              <a14:hiddenLine xmlns:a14="http://schemas.microsoft.com/office/drawing/2010/main" xmlns="" w="9525">
+              <a14:hiddenLine xmlns="" xmlns:a14="http://schemas.microsoft.com/office/drawing/2010/main" w="9525">
                 <a:solidFill>
                   <a:srgbClr val="000000"/>
                 </a:solidFill>
@@ -718,7 +718,7 @@
               </a14:hiddenLine>
             </a:ext>
             <a:ext uri="{FAA26D3D-D897-4be2-8F04-BA451C77F1D7}">
-              <ma14:placeholderFlag xmlns:ma14="http://schemas.microsoft.com/office/mac/drawingml/2011/main" xmlns="" val="1"/>
+              <ma14:placeholderFlag xmlns="" xmlns:ma14="http://schemas.microsoft.com/office/mac/drawingml/2011/main" val="1"/>
             </a:ext>
           </a:extLst>
         </p:spPr>
@@ -924,7 +924,7 @@
           <a:p>
             <a:fld id="{C1D125CB-8DCC-074C-B65D-BDD387DAFE24}" type="datetimeFigureOut">
               <a:rPr lang="en-DE" smtClean="0"/>
-              <a:t>30.09.21</a:t>
+              <a:t>06.10.21</a:t>
             </a:fld>
             <a:endParaRPr lang="en-DE"/>
           </a:p>
@@ -1168,7 +1168,7 @@
           <a:p>
             <a:fld id="{C1D125CB-8DCC-074C-B65D-BDD387DAFE24}" type="datetimeFigureOut">
               <a:rPr lang="en-DE" smtClean="0"/>
-              <a:t>30.09.21</a:t>
+              <a:t>06.10.21</a:t>
             </a:fld>
             <a:endParaRPr lang="en-DE"/>
           </a:p>
@@ -1400,7 +1400,7 @@
           <a:p>
             <a:fld id="{C1D125CB-8DCC-074C-B65D-BDD387DAFE24}" type="datetimeFigureOut">
               <a:rPr lang="en-DE" smtClean="0"/>
-              <a:t>30.09.21</a:t>
+              <a:t>06.10.21</a:t>
             </a:fld>
             <a:endParaRPr lang="en-DE"/>
           </a:p>
@@ -1767,7 +1767,7 @@
           <a:p>
             <a:fld id="{C1D125CB-8DCC-074C-B65D-BDD387DAFE24}" type="datetimeFigureOut">
               <a:rPr lang="en-DE" smtClean="0"/>
-              <a:t>30.09.21</a:t>
+              <a:t>06.10.21</a:t>
             </a:fld>
             <a:endParaRPr lang="en-DE"/>
           </a:p>
@@ -1885,7 +1885,7 @@
           <a:p>
             <a:fld id="{C1D125CB-8DCC-074C-B65D-BDD387DAFE24}" type="datetimeFigureOut">
               <a:rPr lang="en-DE" smtClean="0"/>
-              <a:t>30.09.21</a:t>
+              <a:t>06.10.21</a:t>
             </a:fld>
             <a:endParaRPr lang="en-DE"/>
           </a:p>
@@ -1980,7 +1980,7 @@
           <a:p>
             <a:fld id="{C1D125CB-8DCC-074C-B65D-BDD387DAFE24}" type="datetimeFigureOut">
               <a:rPr lang="en-DE" smtClean="0"/>
-              <a:t>30.09.21</a:t>
+              <a:t>06.10.21</a:t>
             </a:fld>
             <a:endParaRPr lang="en-DE"/>
           </a:p>
@@ -2257,7 +2257,7 @@
           <a:p>
             <a:fld id="{C1D125CB-8DCC-074C-B65D-BDD387DAFE24}" type="datetimeFigureOut">
               <a:rPr lang="en-DE" smtClean="0"/>
-              <a:t>30.09.21</a:t>
+              <a:t>06.10.21</a:t>
             </a:fld>
             <a:endParaRPr lang="en-DE"/>
           </a:p>
@@ -2514,7 +2514,7 @@
           <a:p>
             <a:fld id="{C1D125CB-8DCC-074C-B65D-BDD387DAFE24}" type="datetimeFigureOut">
               <a:rPr lang="en-DE" smtClean="0"/>
-              <a:t>30.09.21</a:t>
+              <a:t>06.10.21</a:t>
             </a:fld>
             <a:endParaRPr lang="en-DE"/>
           </a:p>
@@ -2727,7 +2727,7 @@
           <a:p>
             <a:fld id="{C1D125CB-8DCC-074C-B65D-BDD387DAFE24}" type="datetimeFigureOut">
               <a:rPr lang="en-DE" smtClean="0"/>
-              <a:t>30.09.21</a:t>
+              <a:t>06.10.21</a:t>
             </a:fld>
             <a:endParaRPr lang="en-DE"/>
           </a:p>
@@ -3147,7 +3147,7 @@
         </p:nvSpPr>
         <p:spPr>
           <a:xfrm>
-            <a:off x="3267746" y="148836"/>
+            <a:off x="3267746" y="4458"/>
             <a:ext cx="11465170" cy="1200916"/>
           </a:xfrm>
           <a:prstGeom prst="roundRect">
@@ -3199,10 +3199,10 @@
       </p:sp>
       <p:grpSp>
         <p:nvGrpSpPr>
-          <p:cNvPr id="236" name="Group 235">
+          <p:cNvPr id="7" name="Group 6">
             <a:extLst>
               <a:ext uri="{FF2B5EF4-FFF2-40B4-BE49-F238E27FC236}">
-                <a16:creationId xmlns:a16="http://schemas.microsoft.com/office/drawing/2014/main" id="{B752348E-5087-E246-A438-F8326B55FB57}"/>
+                <a16:creationId xmlns:a16="http://schemas.microsoft.com/office/drawing/2014/main" id="{B1FE2F61-D80D-F94C-BB35-84C981CDF7D8}"/>
               </a:ext>
             </a:extLst>
           </p:cNvPr>
@@ -3211,18 +3211,18 @@
         </p:nvGrpSpPr>
         <p:grpSpPr>
           <a:xfrm>
-            <a:off x="1103591" y="2079482"/>
-            <a:ext cx="4587591" cy="10716170"/>
-            <a:chOff x="1103591" y="2079482"/>
-            <a:chExt cx="4587591" cy="10716170"/>
+            <a:off x="1103591" y="1763654"/>
+            <a:ext cx="4587591" cy="11844064"/>
+            <a:chOff x="1103591" y="1935104"/>
+            <a:chExt cx="4587591" cy="11844064"/>
           </a:xfrm>
         </p:grpSpPr>
         <p:sp>
           <p:nvSpPr>
-            <p:cNvPr id="109" name="Google Shape;82;p19">
+            <p:cNvPr id="56" name="Google Shape;82;p19">
               <a:extLst>
                 <a:ext uri="{FF2B5EF4-FFF2-40B4-BE49-F238E27FC236}">
-                  <a16:creationId xmlns:a16="http://schemas.microsoft.com/office/drawing/2014/main" id="{1D0A6AF0-7357-E246-BD8A-07D518206D1A}"/>
+                  <a16:creationId xmlns:a16="http://schemas.microsoft.com/office/drawing/2014/main" id="{58DA8B0D-D353-604E-9DDE-0F566F876499}"/>
                 </a:ext>
               </a:extLst>
             </p:cNvPr>
@@ -3231,8 +3231,8 @@
           </p:nvSpPr>
           <p:spPr>
             <a:xfrm>
-              <a:off x="2356834" y="10508306"/>
-              <a:ext cx="3334348" cy="1057309"/>
+              <a:off x="2356834" y="11200498"/>
+              <a:ext cx="3334348" cy="2031171"/>
             </a:xfrm>
             <a:prstGeom prst="roundRect">
               <a:avLst>
@@ -3283,78 +3283,7 @@
                   <a:ea typeface="ＭＳ Ｐゴシック" charset="0"/>
                   <a:cs typeface="Arial" panose="020B0604020202020204" pitchFamily="34" charset="0"/>
                 </a:rPr>
-                <a:t>Various Algorithms</a:t>
-              </a:r>
-            </a:p>
-          </p:txBody>
-        </p:sp>
-        <p:sp>
-          <p:nvSpPr>
-            <p:cNvPr id="107" name="Google Shape;82;p19">
-              <a:extLst>
-                <a:ext uri="{FF2B5EF4-FFF2-40B4-BE49-F238E27FC236}">
-                  <a16:creationId xmlns:a16="http://schemas.microsoft.com/office/drawing/2014/main" id="{4764E686-C791-8045-8846-A0E1C0400D7E}"/>
-                </a:ext>
-              </a:extLst>
-            </p:cNvPr>
-            <p:cNvSpPr/>
-            <p:nvPr/>
-          </p:nvSpPr>
-          <p:spPr>
-            <a:xfrm>
-              <a:off x="2356834" y="6462619"/>
-              <a:ext cx="3334348" cy="2462600"/>
-            </a:xfrm>
-            <a:prstGeom prst="roundRect">
-              <a:avLst>
-                <a:gd name="adj" fmla="val 3925"/>
-              </a:avLst>
-            </a:prstGeom>
-            <a:solidFill>
-              <a:schemeClr val="accent1">
-                <a:lumMod val="10000"/>
-                <a:lumOff val="90000"/>
-              </a:schemeClr>
-            </a:solidFill>
-            <a:ln w="9525" cap="flat" cmpd="sng">
-              <a:noFill/>
-              <a:prstDash val="solid"/>
-              <a:round/>
-              <a:headEnd type="none" w="sm" len="sm"/>
-              <a:tailEnd type="none" w="sm" len="sm"/>
-            </a:ln>
-          </p:spPr>
-          <p:txBody>
-            <a:bodyPr spcFirstLastPara="1" wrap="square" lIns="91425" tIns="0" rIns="91425" bIns="0" anchor="t" anchorCtr="0">
-              <a:noAutofit/>
-            </a:bodyPr>
-            <a:lstStyle/>
-            <a:p>
-              <a:pPr fontAlgn="base">
-                <a:spcAft>
-                  <a:spcPts val="1200"/>
-                </a:spcAft>
-                <a:defRPr/>
-              </a:pPr>
-              <a:endParaRPr lang="en-US" sz="2400" dirty="0">
-                <a:latin typeface="Arial" panose="020B0604020202020204" pitchFamily="34" charset="0"/>
-                <a:ea typeface="ＭＳ Ｐゴシック" charset="0"/>
-                <a:cs typeface="Arial" panose="020B0604020202020204" pitchFamily="34" charset="0"/>
-              </a:endParaRPr>
-            </a:p>
-            <a:p>
-              <a:pPr marL="342900" indent="-342900" fontAlgn="base">
-                <a:buFont typeface="Arial" panose="020B0604020202020204" pitchFamily="34" charset="0"/>
-                <a:buChar char="•"/>
-                <a:defRPr/>
-              </a:pPr>
-              <a:r>
-                <a:rPr lang="en-US" sz="2400" dirty="0">
-                  <a:latin typeface="Arial" panose="020B0604020202020204" pitchFamily="34" charset="0"/>
-                  <a:ea typeface="ＭＳ Ｐゴシック" charset="0"/>
-                  <a:cs typeface="Arial" panose="020B0604020202020204" pitchFamily="34" charset="0"/>
-                </a:rPr>
-                <a:t>Activity Counts</a:t>
+                <a:t>Sleep/Wake Onset</a:t>
               </a:r>
             </a:p>
             <a:p>
@@ -3369,7 +3298,7 @@
                   <a:ea typeface="ＭＳ Ｐゴシック" charset="0"/>
                   <a:cs typeface="Arial" panose="020B0604020202020204" pitchFamily="34" charset="0"/>
                 </a:rPr>
-                <a:t>Major Rest Periods</a:t>
+                <a:t>Sleep Efficiency</a:t>
               </a:r>
             </a:p>
             <a:p>
@@ -3384,108 +3313,7 @@
                   <a:ea typeface="ＭＳ Ｐゴシック" charset="0"/>
                   <a:cs typeface="Arial" panose="020B0604020202020204" pitchFamily="34" charset="0"/>
                 </a:rPr>
-                <a:t>Wear Detection</a:t>
-              </a:r>
-            </a:p>
-            <a:p>
-              <a:pPr marL="342900" indent="-342900" fontAlgn="base">
-                <a:buFont typeface="Arial" panose="020B0604020202020204" pitchFamily="34" charset="0"/>
-                <a:buChar char="•"/>
-                <a:defRPr/>
-              </a:pPr>
-              <a:r>
-                <a:rPr lang="en-US" sz="2400" dirty="0">
-                  <a:latin typeface="Arial" panose="020B0604020202020204" pitchFamily="34" charset="0"/>
-                  <a:ea typeface="ＭＳ Ｐゴシック" charset="0"/>
-                  <a:cs typeface="Arial" panose="020B0604020202020204" pitchFamily="34" charset="0"/>
-                </a:rPr>
-                <a:t>Static Moment Detection</a:t>
-              </a:r>
-            </a:p>
-          </p:txBody>
-        </p:sp>
-        <p:sp>
-          <p:nvSpPr>
-            <p:cNvPr id="104" name="Google Shape;82;p19">
-              <a:extLst>
-                <a:ext uri="{FF2B5EF4-FFF2-40B4-BE49-F238E27FC236}">
-                  <a16:creationId xmlns:a16="http://schemas.microsoft.com/office/drawing/2014/main" id="{0ADCE3EF-C544-A44B-B748-A9F1EDD26234}"/>
-                </a:ext>
-              </a:extLst>
-            </p:cNvPr>
-            <p:cNvSpPr/>
-            <p:nvPr/>
-          </p:nvSpPr>
-          <p:spPr>
-            <a:xfrm>
-              <a:off x="2356834" y="3993997"/>
-              <a:ext cx="3334348" cy="1806093"/>
-            </a:xfrm>
-            <a:prstGeom prst="roundRect">
-              <a:avLst>
-                <a:gd name="adj" fmla="val 5992"/>
-              </a:avLst>
-            </a:prstGeom>
-            <a:solidFill>
-              <a:schemeClr val="accent1">
-                <a:lumMod val="10000"/>
-                <a:lumOff val="90000"/>
-              </a:schemeClr>
-            </a:solidFill>
-            <a:ln w="9525" cap="flat" cmpd="sng">
-              <a:noFill/>
-              <a:prstDash val="solid"/>
-              <a:round/>
-              <a:headEnd type="none" w="sm" len="sm"/>
-              <a:tailEnd type="none" w="sm" len="sm"/>
-            </a:ln>
-          </p:spPr>
-          <p:txBody>
-            <a:bodyPr spcFirstLastPara="1" wrap="square" lIns="91425" tIns="0" rIns="91425" bIns="0" anchor="t" anchorCtr="0">
-              <a:noAutofit/>
-            </a:bodyPr>
-            <a:lstStyle/>
-            <a:p>
-              <a:pPr fontAlgn="base">
-                <a:spcAft>
-                  <a:spcPts val="1200"/>
-                </a:spcAft>
-                <a:defRPr/>
-              </a:pPr>
-              <a:endParaRPr lang="en-US" sz="2400" dirty="0">
-                <a:latin typeface="Arial" panose="020B0604020202020204" pitchFamily="34" charset="0"/>
-                <a:ea typeface="ＭＳ Ｐゴシック" charset="0"/>
-                <a:cs typeface="Arial" panose="020B0604020202020204" pitchFamily="34" charset="0"/>
-              </a:endParaRPr>
-            </a:p>
-            <a:p>
-              <a:pPr marL="342900" indent="-342900" fontAlgn="base">
-                <a:buFont typeface="Arial" panose="020B0604020202020204" pitchFamily="34" charset="0"/>
-                <a:buChar char="•"/>
-                <a:defRPr/>
-              </a:pPr>
-              <a:r>
-                <a:rPr lang="en-US" sz="2400" dirty="0">
-                  <a:latin typeface="Arial" panose="020B0604020202020204" pitchFamily="34" charset="0"/>
-                  <a:ea typeface="ＭＳ Ｐゴシック" charset="0"/>
-                  <a:cs typeface="Arial" panose="020B0604020202020204" pitchFamily="34" charset="0"/>
-                </a:rPr>
-                <a:t>HR(V)</a:t>
-              </a:r>
-            </a:p>
-            <a:p>
-              <a:pPr marL="342900" indent="-342900" fontAlgn="base">
-                <a:buFont typeface="Arial" panose="020B0604020202020204" pitchFamily="34" charset="0"/>
-                <a:buChar char="•"/>
-                <a:defRPr/>
-              </a:pPr>
-              <a:r>
-                <a:rPr lang="en-US" sz="2400" dirty="0">
-                  <a:latin typeface="Arial" panose="020B0604020202020204" pitchFamily="34" charset="0"/>
-                  <a:ea typeface="ＭＳ Ｐゴシック" charset="0"/>
-                  <a:cs typeface="Arial" panose="020B0604020202020204" pitchFamily="34" charset="0"/>
-                </a:rPr>
-                <a:t>Plotting</a:t>
+                <a:t>Net Sleep Duration</a:t>
               </a:r>
             </a:p>
             <a:p>
@@ -3502,7 +3330,14 @@
                 </a:rPr>
                 <a:t>…</a:t>
               </a:r>
-              <a:endParaRPr lang="en-US" dirty="0">
+            </a:p>
+            <a:p>
+              <a:pPr marL="342900" indent="-342900" fontAlgn="base">
+                <a:buFont typeface="Arial" panose="020B0604020202020204" pitchFamily="34" charset="0"/>
+                <a:buChar char="•"/>
+                <a:defRPr/>
+              </a:pPr>
+              <a:endParaRPr lang="en-US" sz="2400" dirty="0">
                 <a:latin typeface="Arial" panose="020B0604020202020204" pitchFamily="34" charset="0"/>
                 <a:ea typeface="ＭＳ Ｐゴシック" charset="0"/>
                 <a:cs typeface="Arial" panose="020B0604020202020204" pitchFamily="34" charset="0"/>
@@ -3510,1219 +3345,1533 @@
             </a:p>
           </p:txBody>
         </p:sp>
-        <p:sp>
-          <p:nvSpPr>
-            <p:cNvPr id="69" name="Google Shape;82;p19">
+        <p:grpSp>
+          <p:nvGrpSpPr>
+            <p:cNvPr id="236" name="Group 235">
               <a:extLst>
                 <a:ext uri="{FF2B5EF4-FFF2-40B4-BE49-F238E27FC236}">
-                  <a16:creationId xmlns:a16="http://schemas.microsoft.com/office/drawing/2014/main" id="{CA25F59E-4F91-FE49-8E4E-C058D22ADBA9}"/>
+                  <a16:creationId xmlns:a16="http://schemas.microsoft.com/office/drawing/2014/main" id="{B752348E-5087-E246-A438-F8326B55FB57}"/>
                 </a:ext>
               </a:extLst>
             </p:cNvPr>
-            <p:cNvSpPr/>
+            <p:cNvGrpSpPr/>
             <p:nvPr/>
-          </p:nvSpPr>
-          <p:spPr>
+          </p:nvGrpSpPr>
+          <p:grpSpPr>
             <a:xfrm>
-              <a:off x="1103591" y="2079482"/>
-              <a:ext cx="522514" cy="1006425"/>
+              <a:off x="1103591" y="1935104"/>
+              <a:ext cx="4587591" cy="11844064"/>
+              <a:chOff x="1103591" y="2079482"/>
+              <a:chExt cx="4587591" cy="11844064"/>
             </a:xfrm>
-            <a:prstGeom prst="roundRect">
-              <a:avLst>
-                <a:gd name="adj" fmla="val 50000"/>
-              </a:avLst>
-            </a:prstGeom>
-            <a:solidFill>
-              <a:schemeClr val="accent1"/>
-            </a:solidFill>
-            <a:ln w="9525" cap="flat" cmpd="sng">
-              <a:noFill/>
-              <a:prstDash val="solid"/>
-              <a:round/>
-              <a:headEnd type="none" w="sm" len="sm"/>
-              <a:tailEnd type="none" w="sm" len="sm"/>
-            </a:ln>
-          </p:spPr>
-          <p:txBody>
-            <a:bodyPr spcFirstLastPara="1" wrap="square" lIns="91425" tIns="0" rIns="91425" bIns="0" anchor="ctr" anchorCtr="0">
-              <a:noAutofit/>
-            </a:bodyPr>
-            <a:lstStyle/>
-            <a:p>
-              <a:pPr algn="ctr" fontAlgn="base">
-                <a:defRPr/>
-              </a:pPr>
-              <a:endParaRPr lang="en-US" sz="1600" b="1" dirty="0">
-                <a:solidFill>
-                  <a:srgbClr val="FFFFFF"/>
-                </a:solidFill>
-                <a:latin typeface="Arial" panose="020B0604020202020204" pitchFamily="34" charset="0"/>
-                <a:ea typeface="ＭＳ Ｐゴシック" charset="0"/>
-                <a:cs typeface="Arial" panose="020B0604020202020204" pitchFamily="34" charset="0"/>
-              </a:endParaRPr>
-            </a:p>
-          </p:txBody>
-        </p:sp>
-        <p:sp>
-          <p:nvSpPr>
-            <p:cNvPr id="9" name="Google Shape;82;p19">
-              <a:extLst>
-                <a:ext uri="{FF2B5EF4-FFF2-40B4-BE49-F238E27FC236}">
-                  <a16:creationId xmlns:a16="http://schemas.microsoft.com/office/drawing/2014/main" id="{FAEEFA2A-F64C-0F4D-A7A6-C55A7D631401}"/>
-                </a:ext>
-              </a:extLst>
-            </p:cNvPr>
-            <p:cNvSpPr/>
-            <p:nvPr/>
-          </p:nvSpPr>
-          <p:spPr>
-            <a:xfrm>
-              <a:off x="1834323" y="3250393"/>
-              <a:ext cx="3855600" cy="596293"/>
-            </a:xfrm>
-            <a:prstGeom prst="roundRect">
-              <a:avLst>
-                <a:gd name="adj" fmla="val 19108"/>
-              </a:avLst>
-            </a:prstGeom>
-            <a:solidFill>
-              <a:schemeClr val="accent1"/>
-            </a:solidFill>
-            <a:ln w="9525" cap="flat" cmpd="sng">
-              <a:noFill/>
-              <a:prstDash val="solid"/>
-              <a:round/>
-              <a:headEnd type="none" w="sm" len="sm"/>
-              <a:tailEnd type="none" w="sm" len="sm"/>
-            </a:ln>
-          </p:spPr>
-          <p:txBody>
-            <a:bodyPr spcFirstLastPara="1" wrap="square" lIns="91425" tIns="0" rIns="91425" bIns="0" anchor="ctr" anchorCtr="0">
-              <a:noAutofit/>
-            </a:bodyPr>
-            <a:lstStyle/>
-            <a:p>
-              <a:pPr algn="ctr" fontAlgn="base">
-                <a:defRPr/>
-              </a:pPr>
-              <a:r>
-                <a:rPr lang="en-US" sz="3200" b="1" dirty="0">
+          </p:grpSpPr>
+          <p:sp>
+            <p:nvSpPr>
+              <p:cNvPr id="109" name="Google Shape;82;p19">
+                <a:extLst>
+                  <a:ext uri="{FF2B5EF4-FFF2-40B4-BE49-F238E27FC236}">
+                    <a16:creationId xmlns:a16="http://schemas.microsoft.com/office/drawing/2014/main" id="{1D0A6AF0-7357-E246-BD8A-07D518206D1A}"/>
+                  </a:ext>
+                </a:extLst>
+              </p:cNvPr>
+              <p:cNvSpPr/>
+              <p:nvPr/>
+            </p:nvSpPr>
+            <p:spPr>
+              <a:xfrm>
+                <a:off x="2356834" y="10315802"/>
+                <a:ext cx="3334348" cy="971705"/>
+              </a:xfrm>
+              <a:prstGeom prst="roundRect">
+                <a:avLst>
+                  <a:gd name="adj" fmla="val 8636"/>
+                </a:avLst>
+              </a:prstGeom>
+              <a:solidFill>
+                <a:schemeClr val="accent1">
+                  <a:lumMod val="10000"/>
+                  <a:lumOff val="90000"/>
+                </a:schemeClr>
+              </a:solidFill>
+              <a:ln w="9525" cap="flat" cmpd="sng">
+                <a:noFill/>
+                <a:prstDash val="solid"/>
+                <a:round/>
+                <a:headEnd type="none" w="sm" len="sm"/>
+                <a:tailEnd type="none" w="sm" len="sm"/>
+              </a:ln>
+            </p:spPr>
+            <p:txBody>
+              <a:bodyPr spcFirstLastPara="1" wrap="square" lIns="91425" tIns="0" rIns="91425" bIns="0" anchor="t" anchorCtr="0">
+                <a:noAutofit/>
+              </a:bodyPr>
+              <a:lstStyle/>
+              <a:p>
+                <a:pPr fontAlgn="base">
+                  <a:spcAft>
+                    <a:spcPts val="1200"/>
+                  </a:spcAft>
+                  <a:defRPr/>
+                </a:pPr>
+                <a:endParaRPr lang="en-US" sz="2400" dirty="0">
+                  <a:latin typeface="Arial" panose="020B0604020202020204" pitchFamily="34" charset="0"/>
+                  <a:ea typeface="ＭＳ Ｐゴシック" charset="0"/>
+                  <a:cs typeface="Arial" panose="020B0604020202020204" pitchFamily="34" charset="0"/>
+                </a:endParaRPr>
+              </a:p>
+              <a:p>
+                <a:pPr marL="342900" indent="-342900" fontAlgn="base">
+                  <a:buFont typeface="Arial" panose="020B0604020202020204" pitchFamily="34" charset="0"/>
+                  <a:buChar char="•"/>
+                  <a:defRPr/>
+                </a:pPr>
+                <a:r>
+                  <a:rPr lang="en-US" sz="2400" dirty="0">
+                    <a:latin typeface="Arial" panose="020B0604020202020204" pitchFamily="34" charset="0"/>
+                    <a:ea typeface="ＭＳ Ｐゴシック" charset="0"/>
+                    <a:cs typeface="Arial" panose="020B0604020202020204" pitchFamily="34" charset="0"/>
+                  </a:rPr>
+                  <a:t>Various Algorithms</a:t>
+                </a:r>
+              </a:p>
+            </p:txBody>
+          </p:sp>
+          <p:sp>
+            <p:nvSpPr>
+              <p:cNvPr id="107" name="Google Shape;82;p19">
+                <a:extLst>
+                  <a:ext uri="{FF2B5EF4-FFF2-40B4-BE49-F238E27FC236}">
+                    <a16:creationId xmlns:a16="http://schemas.microsoft.com/office/drawing/2014/main" id="{4764E686-C791-8045-8846-A0E1C0400D7E}"/>
+                  </a:ext>
+                </a:extLst>
+              </p:cNvPr>
+              <p:cNvSpPr/>
+              <p:nvPr/>
+            </p:nvSpPr>
+            <p:spPr>
+              <a:xfrm>
+                <a:off x="2356834" y="6462619"/>
+                <a:ext cx="3334348" cy="2462600"/>
+              </a:xfrm>
+              <a:prstGeom prst="roundRect">
+                <a:avLst>
+                  <a:gd name="adj" fmla="val 3925"/>
+                </a:avLst>
+              </a:prstGeom>
+              <a:solidFill>
+                <a:schemeClr val="accent1">
+                  <a:lumMod val="10000"/>
+                  <a:lumOff val="90000"/>
+                </a:schemeClr>
+              </a:solidFill>
+              <a:ln w="9525" cap="flat" cmpd="sng">
+                <a:noFill/>
+                <a:prstDash val="solid"/>
+                <a:round/>
+                <a:headEnd type="none" w="sm" len="sm"/>
+                <a:tailEnd type="none" w="sm" len="sm"/>
+              </a:ln>
+            </p:spPr>
+            <p:txBody>
+              <a:bodyPr spcFirstLastPara="1" wrap="square" lIns="91425" tIns="0" rIns="91425" bIns="0" anchor="t" anchorCtr="0">
+                <a:noAutofit/>
+              </a:bodyPr>
+              <a:lstStyle/>
+              <a:p>
+                <a:pPr fontAlgn="base">
+                  <a:spcAft>
+                    <a:spcPts val="1200"/>
+                  </a:spcAft>
+                  <a:defRPr/>
+                </a:pPr>
+                <a:endParaRPr lang="en-US" sz="2400" dirty="0">
+                  <a:latin typeface="Arial" panose="020B0604020202020204" pitchFamily="34" charset="0"/>
+                  <a:ea typeface="ＭＳ Ｐゴシック" charset="0"/>
+                  <a:cs typeface="Arial" panose="020B0604020202020204" pitchFamily="34" charset="0"/>
+                </a:endParaRPr>
+              </a:p>
+              <a:p>
+                <a:pPr marL="342900" indent="-342900" fontAlgn="base">
+                  <a:buFont typeface="Arial" panose="020B0604020202020204" pitchFamily="34" charset="0"/>
+                  <a:buChar char="•"/>
+                  <a:defRPr/>
+                </a:pPr>
+                <a:r>
+                  <a:rPr lang="en-US" sz="2400" dirty="0">
+                    <a:latin typeface="Arial" panose="020B0604020202020204" pitchFamily="34" charset="0"/>
+                    <a:ea typeface="ＭＳ Ｐゴシック" charset="0"/>
+                    <a:cs typeface="Arial" panose="020B0604020202020204" pitchFamily="34" charset="0"/>
+                  </a:rPr>
+                  <a:t>Activity Counts</a:t>
+                </a:r>
+              </a:p>
+              <a:p>
+                <a:pPr marL="342900" indent="-342900" fontAlgn="base">
+                  <a:buFont typeface="Arial" panose="020B0604020202020204" pitchFamily="34" charset="0"/>
+                  <a:buChar char="•"/>
+                  <a:defRPr/>
+                </a:pPr>
+                <a:r>
+                  <a:rPr lang="en-US" sz="2400" dirty="0">
+                    <a:latin typeface="Arial" panose="020B0604020202020204" pitchFamily="34" charset="0"/>
+                    <a:ea typeface="ＭＳ Ｐゴシック" charset="0"/>
+                    <a:cs typeface="Arial" panose="020B0604020202020204" pitchFamily="34" charset="0"/>
+                  </a:rPr>
+                  <a:t>Major Rest Periods</a:t>
+                </a:r>
+              </a:p>
+              <a:p>
+                <a:pPr marL="342900" indent="-342900" fontAlgn="base">
+                  <a:buFont typeface="Arial" panose="020B0604020202020204" pitchFamily="34" charset="0"/>
+                  <a:buChar char="•"/>
+                  <a:defRPr/>
+                </a:pPr>
+                <a:r>
+                  <a:rPr lang="en-US" sz="2400" dirty="0">
+                    <a:latin typeface="Arial" panose="020B0604020202020204" pitchFamily="34" charset="0"/>
+                    <a:ea typeface="ＭＳ Ｐゴシック" charset="0"/>
+                    <a:cs typeface="Arial" panose="020B0604020202020204" pitchFamily="34" charset="0"/>
+                  </a:rPr>
+                  <a:t>Wear Detection</a:t>
+                </a:r>
+              </a:p>
+              <a:p>
+                <a:pPr marL="342900" indent="-342900" fontAlgn="base">
+                  <a:buFont typeface="Arial" panose="020B0604020202020204" pitchFamily="34" charset="0"/>
+                  <a:buChar char="•"/>
+                  <a:defRPr/>
+                </a:pPr>
+                <a:r>
+                  <a:rPr lang="en-US" sz="2400" dirty="0">
+                    <a:latin typeface="Arial" panose="020B0604020202020204" pitchFamily="34" charset="0"/>
+                    <a:ea typeface="ＭＳ Ｐゴシック" charset="0"/>
+                    <a:cs typeface="Arial" panose="020B0604020202020204" pitchFamily="34" charset="0"/>
+                  </a:rPr>
+                  <a:t>Static Moment Detection</a:t>
+                </a:r>
+              </a:p>
+            </p:txBody>
+          </p:sp>
+          <p:sp>
+            <p:nvSpPr>
+              <p:cNvPr id="104" name="Google Shape;82;p19">
+                <a:extLst>
+                  <a:ext uri="{FF2B5EF4-FFF2-40B4-BE49-F238E27FC236}">
+                    <a16:creationId xmlns:a16="http://schemas.microsoft.com/office/drawing/2014/main" id="{0ADCE3EF-C544-A44B-B748-A9F1EDD26234}"/>
+                  </a:ext>
+                </a:extLst>
+              </p:cNvPr>
+              <p:cNvSpPr/>
+              <p:nvPr/>
+            </p:nvSpPr>
+            <p:spPr>
+              <a:xfrm>
+                <a:off x="2356834" y="3993997"/>
+                <a:ext cx="3334348" cy="1806093"/>
+              </a:xfrm>
+              <a:prstGeom prst="roundRect">
+                <a:avLst>
+                  <a:gd name="adj" fmla="val 5992"/>
+                </a:avLst>
+              </a:prstGeom>
+              <a:solidFill>
+                <a:schemeClr val="accent1">
+                  <a:lumMod val="10000"/>
+                  <a:lumOff val="90000"/>
+                </a:schemeClr>
+              </a:solidFill>
+              <a:ln w="9525" cap="flat" cmpd="sng">
+                <a:noFill/>
+                <a:prstDash val="solid"/>
+                <a:round/>
+                <a:headEnd type="none" w="sm" len="sm"/>
+                <a:tailEnd type="none" w="sm" len="sm"/>
+              </a:ln>
+            </p:spPr>
+            <p:txBody>
+              <a:bodyPr spcFirstLastPara="1" wrap="square" lIns="91425" tIns="0" rIns="91425" bIns="0" anchor="t" anchorCtr="0">
+                <a:noAutofit/>
+              </a:bodyPr>
+              <a:lstStyle/>
+              <a:p>
+                <a:pPr fontAlgn="base">
+                  <a:spcAft>
+                    <a:spcPts val="1200"/>
+                  </a:spcAft>
+                  <a:defRPr/>
+                </a:pPr>
+                <a:endParaRPr lang="en-US" sz="2400" dirty="0">
+                  <a:latin typeface="Arial" panose="020B0604020202020204" pitchFamily="34" charset="0"/>
+                  <a:ea typeface="ＭＳ Ｐゴシック" charset="0"/>
+                  <a:cs typeface="Arial" panose="020B0604020202020204" pitchFamily="34" charset="0"/>
+                </a:endParaRPr>
+              </a:p>
+              <a:p>
+                <a:pPr marL="342900" indent="-342900" fontAlgn="base">
+                  <a:buFont typeface="Arial" panose="020B0604020202020204" pitchFamily="34" charset="0"/>
+                  <a:buChar char="•"/>
+                  <a:defRPr/>
+                </a:pPr>
+                <a:r>
+                  <a:rPr lang="en-US" sz="2400" dirty="0">
+                    <a:latin typeface="Arial" panose="020B0604020202020204" pitchFamily="34" charset="0"/>
+                    <a:ea typeface="ＭＳ Ｐゴシック" charset="0"/>
+                    <a:cs typeface="Arial" panose="020B0604020202020204" pitchFamily="34" charset="0"/>
+                  </a:rPr>
+                  <a:t>HR(V)</a:t>
+                </a:r>
+              </a:p>
+              <a:p>
+                <a:pPr marL="342900" indent="-342900" fontAlgn="base">
+                  <a:buFont typeface="Arial" panose="020B0604020202020204" pitchFamily="34" charset="0"/>
+                  <a:buChar char="•"/>
+                  <a:defRPr/>
+                </a:pPr>
+                <a:r>
+                  <a:rPr lang="en-US" sz="2400" dirty="0">
+                    <a:latin typeface="Arial" panose="020B0604020202020204" pitchFamily="34" charset="0"/>
+                    <a:ea typeface="ＭＳ Ｐゴシック" charset="0"/>
+                    <a:cs typeface="Arial" panose="020B0604020202020204" pitchFamily="34" charset="0"/>
+                  </a:rPr>
+                  <a:t>Plotting</a:t>
+                </a:r>
+              </a:p>
+              <a:p>
+                <a:pPr marL="342900" indent="-342900" fontAlgn="base">
+                  <a:buFont typeface="Arial" panose="020B0604020202020204" pitchFamily="34" charset="0"/>
+                  <a:buChar char="•"/>
+                  <a:defRPr/>
+                </a:pPr>
+                <a:r>
+                  <a:rPr lang="en-US" sz="2400" dirty="0">
+                    <a:latin typeface="Arial" panose="020B0604020202020204" pitchFamily="34" charset="0"/>
+                    <a:ea typeface="ＭＳ Ｐゴシック" charset="0"/>
+                    <a:cs typeface="Arial" panose="020B0604020202020204" pitchFamily="34" charset="0"/>
+                  </a:rPr>
+                  <a:t>…</a:t>
+                </a:r>
+                <a:endParaRPr lang="en-US" dirty="0">
+                  <a:latin typeface="Arial" panose="020B0604020202020204" pitchFamily="34" charset="0"/>
+                  <a:ea typeface="ＭＳ Ｐゴシック" charset="0"/>
+                  <a:cs typeface="Arial" panose="020B0604020202020204" pitchFamily="34" charset="0"/>
+                </a:endParaRPr>
+              </a:p>
+            </p:txBody>
+          </p:sp>
+          <p:sp>
+            <p:nvSpPr>
+              <p:cNvPr id="69" name="Google Shape;82;p19">
+                <a:extLst>
+                  <a:ext uri="{FF2B5EF4-FFF2-40B4-BE49-F238E27FC236}">
+                    <a16:creationId xmlns:a16="http://schemas.microsoft.com/office/drawing/2014/main" id="{CA25F59E-4F91-FE49-8E4E-C058D22ADBA9}"/>
+                  </a:ext>
+                </a:extLst>
+              </p:cNvPr>
+              <p:cNvSpPr/>
+              <p:nvPr/>
+            </p:nvSpPr>
+            <p:spPr>
+              <a:xfrm>
+                <a:off x="1103591" y="2079482"/>
+                <a:ext cx="522514" cy="1006425"/>
+              </a:xfrm>
+              <a:prstGeom prst="roundRect">
+                <a:avLst>
+                  <a:gd name="adj" fmla="val 50000"/>
+                </a:avLst>
+              </a:prstGeom>
+              <a:solidFill>
+                <a:schemeClr val="accent1"/>
+              </a:solidFill>
+              <a:ln w="9525" cap="flat" cmpd="sng">
+                <a:noFill/>
+                <a:prstDash val="solid"/>
+                <a:round/>
+                <a:headEnd type="none" w="sm" len="sm"/>
+                <a:tailEnd type="none" w="sm" len="sm"/>
+              </a:ln>
+            </p:spPr>
+            <p:txBody>
+              <a:bodyPr spcFirstLastPara="1" wrap="square" lIns="91425" tIns="0" rIns="91425" bIns="0" anchor="ctr" anchorCtr="0">
+                <a:noAutofit/>
+              </a:bodyPr>
+              <a:lstStyle/>
+              <a:p>
+                <a:pPr algn="ctr" fontAlgn="base">
+                  <a:defRPr/>
+                </a:pPr>
+                <a:endParaRPr lang="en-US" sz="1600" b="1" dirty="0">
+                  <a:solidFill>
+                    <a:srgbClr val="FFFFFF"/>
+                  </a:solidFill>
+                  <a:latin typeface="Arial" panose="020B0604020202020204" pitchFamily="34" charset="0"/>
+                  <a:ea typeface="ＭＳ Ｐゴシック" charset="0"/>
+                  <a:cs typeface="Arial" panose="020B0604020202020204" pitchFamily="34" charset="0"/>
+                </a:endParaRPr>
+              </a:p>
+            </p:txBody>
+          </p:sp>
+          <p:sp>
+            <p:nvSpPr>
+              <p:cNvPr id="9" name="Google Shape;82;p19">
+                <a:extLst>
+                  <a:ext uri="{FF2B5EF4-FFF2-40B4-BE49-F238E27FC236}">
+                    <a16:creationId xmlns:a16="http://schemas.microsoft.com/office/drawing/2014/main" id="{FAEEFA2A-F64C-0F4D-A7A6-C55A7D631401}"/>
+                  </a:ext>
+                </a:extLst>
+              </p:cNvPr>
+              <p:cNvSpPr/>
+              <p:nvPr/>
+            </p:nvSpPr>
+            <p:spPr>
+              <a:xfrm>
+                <a:off x="1834323" y="3250393"/>
+                <a:ext cx="3855600" cy="596293"/>
+              </a:xfrm>
+              <a:prstGeom prst="roundRect">
+                <a:avLst>
+                  <a:gd name="adj" fmla="val 19108"/>
+                </a:avLst>
+              </a:prstGeom>
+              <a:solidFill>
+                <a:schemeClr val="accent1"/>
+              </a:solidFill>
+              <a:ln w="9525" cap="flat" cmpd="sng">
+                <a:noFill/>
+                <a:prstDash val="solid"/>
+                <a:round/>
+                <a:headEnd type="none" w="sm" len="sm"/>
+                <a:tailEnd type="none" w="sm" len="sm"/>
+              </a:ln>
+            </p:spPr>
+            <p:txBody>
+              <a:bodyPr spcFirstLastPara="1" wrap="square" lIns="91425" tIns="0" rIns="91425" bIns="0" anchor="ctr" anchorCtr="0">
+                <a:noAutofit/>
+              </a:bodyPr>
+              <a:lstStyle/>
+              <a:p>
+                <a:pPr algn="ctr" fontAlgn="base">
+                  <a:defRPr/>
+                </a:pPr>
+                <a:r>
+                  <a:rPr lang="en-US" sz="3200" b="1" dirty="0">
+                    <a:solidFill>
+                      <a:srgbClr val="FFFFFF"/>
+                    </a:solidFill>
+                    <a:latin typeface="Courier New" panose="02070309020205020404" pitchFamily="49" charset="0"/>
+                    <a:ea typeface="ＭＳ Ｐゴシック" charset="0"/>
+                    <a:cs typeface="Courier New" panose="02070309020205020404" pitchFamily="49" charset="0"/>
+                  </a:rPr>
+                  <a:t>signals</a:t>
+                </a:r>
+                <a:endParaRPr lang="en-US" sz="2000" b="1" dirty="0">
                   <a:solidFill>
                     <a:srgbClr val="FFFFFF"/>
                   </a:solidFill>
                   <a:latin typeface="Courier New" panose="02070309020205020404" pitchFamily="49" charset="0"/>
                   <a:ea typeface="ＭＳ Ｐゴシック" charset="0"/>
                   <a:cs typeface="Courier New" panose="02070309020205020404" pitchFamily="49" charset="0"/>
-                </a:rPr>
-                <a:t>signals</a:t>
-              </a:r>
-              <a:endParaRPr lang="en-US" sz="2000" b="1" dirty="0">
-                <a:solidFill>
-                  <a:srgbClr val="FFFFFF"/>
-                </a:solidFill>
-                <a:latin typeface="Courier New" panose="02070309020205020404" pitchFamily="49" charset="0"/>
-                <a:ea typeface="ＭＳ Ｐゴシック" charset="0"/>
-                <a:cs typeface="Courier New" panose="02070309020205020404" pitchFamily="49" charset="0"/>
-              </a:endParaRPr>
-            </a:p>
-          </p:txBody>
-        </p:sp>
-        <p:sp>
-          <p:nvSpPr>
-            <p:cNvPr id="10" name="Google Shape;82;p19">
-              <a:extLst>
-                <a:ext uri="{FF2B5EF4-FFF2-40B4-BE49-F238E27FC236}">
-                  <a16:creationId xmlns:a16="http://schemas.microsoft.com/office/drawing/2014/main" id="{74069610-718E-3B41-8BFF-1683C7AEB7CF}"/>
-                </a:ext>
-              </a:extLst>
-            </p:cNvPr>
-            <p:cNvSpPr/>
-            <p:nvPr/>
-          </p:nvSpPr>
-          <p:spPr>
-            <a:xfrm>
-              <a:off x="1834322" y="9731808"/>
-              <a:ext cx="3856860" cy="596293"/>
-            </a:xfrm>
-            <a:prstGeom prst="roundRect">
-              <a:avLst>
-                <a:gd name="adj" fmla="val 19108"/>
-              </a:avLst>
-            </a:prstGeom>
-            <a:solidFill>
-              <a:schemeClr val="accent1"/>
-            </a:solidFill>
-            <a:ln w="9525" cap="flat" cmpd="sng">
-              <a:noFill/>
-              <a:prstDash val="solid"/>
-              <a:round/>
-              <a:headEnd type="none" w="sm" len="sm"/>
-              <a:tailEnd type="none" w="sm" len="sm"/>
-            </a:ln>
-          </p:spPr>
-          <p:txBody>
-            <a:bodyPr spcFirstLastPara="1" wrap="square" lIns="91425" tIns="0" rIns="91425" bIns="0" anchor="ctr" anchorCtr="0">
-              <a:noAutofit/>
-            </a:bodyPr>
-            <a:lstStyle/>
-            <a:p>
-              <a:pPr algn="ctr" fontAlgn="base">
-                <a:defRPr/>
-              </a:pPr>
-              <a:r>
-                <a:rPr lang="en-US" sz="3200" b="1" dirty="0">
+                </a:endParaRPr>
+              </a:p>
+            </p:txBody>
+          </p:sp>
+          <p:sp>
+            <p:nvSpPr>
+              <p:cNvPr id="10" name="Google Shape;82;p19">
+                <a:extLst>
+                  <a:ext uri="{FF2B5EF4-FFF2-40B4-BE49-F238E27FC236}">
+                    <a16:creationId xmlns:a16="http://schemas.microsoft.com/office/drawing/2014/main" id="{74069610-718E-3B41-8BFF-1683C7AEB7CF}"/>
+                  </a:ext>
+                </a:extLst>
+              </p:cNvPr>
+              <p:cNvSpPr/>
+              <p:nvPr/>
+            </p:nvSpPr>
+            <p:spPr>
+              <a:xfrm>
+                <a:off x="1834322" y="9635556"/>
+                <a:ext cx="3856860" cy="596293"/>
+              </a:xfrm>
+              <a:prstGeom prst="roundRect">
+                <a:avLst>
+                  <a:gd name="adj" fmla="val 19108"/>
+                </a:avLst>
+              </a:prstGeom>
+              <a:solidFill>
+                <a:schemeClr val="accent1"/>
+              </a:solidFill>
+              <a:ln w="9525" cap="flat" cmpd="sng">
+                <a:noFill/>
+                <a:prstDash val="solid"/>
+                <a:round/>
+                <a:headEnd type="none" w="sm" len="sm"/>
+                <a:tailEnd type="none" w="sm" len="sm"/>
+              </a:ln>
+            </p:spPr>
+            <p:txBody>
+              <a:bodyPr spcFirstLastPara="1" wrap="square" lIns="91425" tIns="0" rIns="91425" bIns="0" anchor="ctr" anchorCtr="0">
+                <a:noAutofit/>
+              </a:bodyPr>
+              <a:lstStyle/>
+              <a:p>
+                <a:pPr algn="ctr" fontAlgn="base">
+                  <a:defRPr/>
+                </a:pPr>
+                <a:r>
+                  <a:rPr lang="en-US" sz="3200" b="1" dirty="0">
+                    <a:solidFill>
+                      <a:srgbClr val="FFFFFF"/>
+                    </a:solidFill>
+                    <a:latin typeface="Courier New" panose="02070309020205020404" pitchFamily="49" charset="0"/>
+                    <a:ea typeface="ＭＳ Ｐゴシック" charset="0"/>
+                    <a:cs typeface="Courier New" panose="02070309020205020404" pitchFamily="49" charset="0"/>
+                  </a:rPr>
+                  <a:t>sleep</a:t>
+                </a:r>
+                <a:endParaRPr lang="en-US" sz="2000" b="1" dirty="0">
                   <a:solidFill>
                     <a:srgbClr val="FFFFFF"/>
                   </a:solidFill>
                   <a:latin typeface="Courier New" panose="02070309020205020404" pitchFamily="49" charset="0"/>
                   <a:ea typeface="ＭＳ Ｐゴシック" charset="0"/>
                   <a:cs typeface="Courier New" panose="02070309020205020404" pitchFamily="49" charset="0"/>
-                </a:rPr>
-                <a:t>sleep</a:t>
-              </a:r>
-              <a:endParaRPr lang="en-US" sz="2000" b="1" dirty="0">
-                <a:solidFill>
-                  <a:srgbClr val="FFFFFF"/>
-                </a:solidFill>
-                <a:latin typeface="Courier New" panose="02070309020205020404" pitchFamily="49" charset="0"/>
-                <a:ea typeface="ＭＳ Ｐゴシック" charset="0"/>
-                <a:cs typeface="Courier New" panose="02070309020205020404" pitchFamily="49" charset="0"/>
-              </a:endParaRPr>
-            </a:p>
-          </p:txBody>
-        </p:sp>
-        <p:sp>
-          <p:nvSpPr>
-            <p:cNvPr id="45" name="Google Shape;82;p19">
-              <a:extLst>
-                <a:ext uri="{FF2B5EF4-FFF2-40B4-BE49-F238E27FC236}">
-                  <a16:creationId xmlns:a16="http://schemas.microsoft.com/office/drawing/2014/main" id="{EDB71379-30A9-1941-B877-9EB56CCD1772}"/>
-                </a:ext>
-              </a:extLst>
-            </p:cNvPr>
-            <p:cNvSpPr/>
-            <p:nvPr/>
-          </p:nvSpPr>
-          <p:spPr>
-            <a:xfrm>
-              <a:off x="1103592" y="2079482"/>
-              <a:ext cx="4586400" cy="1006425"/>
-            </a:xfrm>
-            <a:prstGeom prst="roundRect">
-              <a:avLst>
-                <a:gd name="adj" fmla="val 19108"/>
-              </a:avLst>
-            </a:prstGeom>
-            <a:solidFill>
-              <a:schemeClr val="accent1"/>
-            </a:solidFill>
-            <a:ln w="9525" cap="flat" cmpd="sng">
-              <a:noFill/>
-              <a:prstDash val="solid"/>
-              <a:round/>
-              <a:headEnd type="none" w="sm" len="sm"/>
-              <a:tailEnd type="none" w="sm" len="sm"/>
-            </a:ln>
-          </p:spPr>
-          <p:txBody>
-            <a:bodyPr spcFirstLastPara="1" wrap="square" lIns="91425" tIns="0" rIns="91425" bIns="0" anchor="ctr" anchorCtr="0">
-              <a:noAutofit/>
-            </a:bodyPr>
-            <a:lstStyle/>
-            <a:p>
-              <a:pPr algn="ctr" fontAlgn="base">
-                <a:defRPr/>
-              </a:pPr>
-              <a:r>
-                <a:rPr lang="en-US" sz="3200" b="1" dirty="0">
+                </a:endParaRPr>
+              </a:p>
+            </p:txBody>
+          </p:sp>
+          <p:sp>
+            <p:nvSpPr>
+              <p:cNvPr id="45" name="Google Shape;82;p19">
+                <a:extLst>
+                  <a:ext uri="{FF2B5EF4-FFF2-40B4-BE49-F238E27FC236}">
+                    <a16:creationId xmlns:a16="http://schemas.microsoft.com/office/drawing/2014/main" id="{EDB71379-30A9-1941-B877-9EB56CCD1772}"/>
+                  </a:ext>
+                </a:extLst>
+              </p:cNvPr>
+              <p:cNvSpPr/>
+              <p:nvPr/>
+            </p:nvSpPr>
+            <p:spPr>
+              <a:xfrm>
+                <a:off x="1103592" y="2079482"/>
+                <a:ext cx="4586400" cy="1006425"/>
+              </a:xfrm>
+              <a:prstGeom prst="roundRect">
+                <a:avLst>
+                  <a:gd name="adj" fmla="val 19108"/>
+                </a:avLst>
+              </a:prstGeom>
+              <a:solidFill>
+                <a:schemeClr val="accent1"/>
+              </a:solidFill>
+              <a:ln w="9525" cap="flat" cmpd="sng">
+                <a:noFill/>
+                <a:prstDash val="solid"/>
+                <a:round/>
+                <a:headEnd type="none" w="sm" len="sm"/>
+                <a:tailEnd type="none" w="sm" len="sm"/>
+              </a:ln>
+            </p:spPr>
+            <p:txBody>
+              <a:bodyPr spcFirstLastPara="1" wrap="square" lIns="91425" tIns="0" rIns="91425" bIns="0" anchor="ctr" anchorCtr="0">
+                <a:noAutofit/>
+              </a:bodyPr>
+              <a:lstStyle/>
+              <a:p>
+                <a:pPr algn="ctr" fontAlgn="base">
+                  <a:defRPr/>
+                </a:pPr>
+                <a:r>
+                  <a:rPr lang="en-US" sz="3200" b="1" dirty="0">
+                    <a:solidFill>
+                      <a:srgbClr val="FFFFFF"/>
+                    </a:solidFill>
+                    <a:latin typeface="Arial" panose="020B0604020202020204" pitchFamily="34" charset="0"/>
+                    <a:ea typeface="ＭＳ Ｐゴシック" charset="0"/>
+                    <a:cs typeface="Arial" panose="020B0604020202020204" pitchFamily="34" charset="0"/>
+                  </a:rPr>
+                  <a:t>Time-Series Data</a:t>
+                </a:r>
+                <a:endParaRPr lang="en-US" sz="2400" b="1" dirty="0">
                   <a:solidFill>
                     <a:srgbClr val="FFFFFF"/>
                   </a:solidFill>
                   <a:latin typeface="Arial" panose="020B0604020202020204" pitchFamily="34" charset="0"/>
                   <a:ea typeface="ＭＳ Ｐゴシック" charset="0"/>
                   <a:cs typeface="Arial" panose="020B0604020202020204" pitchFamily="34" charset="0"/>
-                </a:rPr>
-                <a:t>Time-Series Data</a:t>
-              </a:r>
-              <a:endParaRPr lang="en-US" sz="2400" b="1" dirty="0">
-                <a:solidFill>
-                  <a:srgbClr val="FFFFFF"/>
-                </a:solidFill>
-                <a:latin typeface="Arial" panose="020B0604020202020204" pitchFamily="34" charset="0"/>
-                <a:ea typeface="ＭＳ Ｐゴシック" charset="0"/>
-                <a:cs typeface="Arial" panose="020B0604020202020204" pitchFamily="34" charset="0"/>
-              </a:endParaRPr>
-            </a:p>
-          </p:txBody>
-        </p:sp>
-        <p:sp>
-          <p:nvSpPr>
-            <p:cNvPr id="51" name="Google Shape;82;p19">
-              <a:extLst>
-                <a:ext uri="{FF2B5EF4-FFF2-40B4-BE49-F238E27FC236}">
-                  <a16:creationId xmlns:a16="http://schemas.microsoft.com/office/drawing/2014/main" id="{D905CFE5-16DF-094B-B281-D062254C4C95}"/>
-                </a:ext>
-              </a:extLst>
-            </p:cNvPr>
-            <p:cNvSpPr/>
-            <p:nvPr/>
-          </p:nvSpPr>
-          <p:spPr>
-            <a:xfrm>
-              <a:off x="2356834" y="3993998"/>
-              <a:ext cx="3334348" cy="496057"/>
-            </a:xfrm>
-            <a:prstGeom prst="roundRect">
-              <a:avLst>
-                <a:gd name="adj" fmla="val 19108"/>
-              </a:avLst>
-            </a:prstGeom>
-            <a:solidFill>
-              <a:schemeClr val="accent1"/>
-            </a:solidFill>
-            <a:ln w="9525" cap="flat" cmpd="sng">
-              <a:noFill/>
-              <a:prstDash val="solid"/>
-              <a:round/>
-              <a:headEnd type="none" w="sm" len="sm"/>
-              <a:tailEnd type="none" w="sm" len="sm"/>
-            </a:ln>
-          </p:spPr>
-          <p:txBody>
-            <a:bodyPr spcFirstLastPara="1" wrap="square" lIns="91425" tIns="0" rIns="91425" bIns="0" anchor="ctr" anchorCtr="0">
-              <a:noAutofit/>
-            </a:bodyPr>
-            <a:lstStyle/>
-            <a:p>
-              <a:pPr algn="ctr" fontAlgn="base">
-                <a:defRPr/>
-              </a:pPr>
-              <a:r>
-                <a:rPr lang="en-US" sz="2400" b="1" dirty="0" err="1">
+                </a:endParaRPr>
+              </a:p>
+            </p:txBody>
+          </p:sp>
+          <p:sp>
+            <p:nvSpPr>
+              <p:cNvPr id="51" name="Google Shape;82;p19">
+                <a:extLst>
+                  <a:ext uri="{FF2B5EF4-FFF2-40B4-BE49-F238E27FC236}">
+                    <a16:creationId xmlns:a16="http://schemas.microsoft.com/office/drawing/2014/main" id="{D905CFE5-16DF-094B-B281-D062254C4C95}"/>
+                  </a:ext>
+                </a:extLst>
+              </p:cNvPr>
+              <p:cNvSpPr/>
+              <p:nvPr/>
+            </p:nvSpPr>
+            <p:spPr>
+              <a:xfrm>
+                <a:off x="2356834" y="3993998"/>
+                <a:ext cx="3334348" cy="496057"/>
+              </a:xfrm>
+              <a:prstGeom prst="roundRect">
+                <a:avLst>
+                  <a:gd name="adj" fmla="val 19108"/>
+                </a:avLst>
+              </a:prstGeom>
+              <a:solidFill>
+                <a:schemeClr val="accent1"/>
+              </a:solidFill>
+              <a:ln w="9525" cap="flat" cmpd="sng">
+                <a:noFill/>
+                <a:prstDash val="solid"/>
+                <a:round/>
+                <a:headEnd type="none" w="sm" len="sm"/>
+                <a:tailEnd type="none" w="sm" len="sm"/>
+              </a:ln>
+            </p:spPr>
+            <p:txBody>
+              <a:bodyPr spcFirstLastPara="1" wrap="square" lIns="91425" tIns="0" rIns="91425" bIns="0" anchor="ctr" anchorCtr="0">
+                <a:noAutofit/>
+              </a:bodyPr>
+              <a:lstStyle/>
+              <a:p>
+                <a:pPr algn="ctr" fontAlgn="base">
+                  <a:defRPr/>
+                </a:pPr>
+                <a:r>
+                  <a:rPr lang="en-US" sz="2400" b="1" dirty="0" err="1">
+                    <a:solidFill>
+                      <a:srgbClr val="FFFFFF"/>
+                    </a:solidFill>
+                    <a:latin typeface="Courier New" panose="02070309020205020404" pitchFamily="49" charset="0"/>
+                    <a:ea typeface="ＭＳ Ｐゴシック" charset="0"/>
+                    <a:cs typeface="Courier New" panose="02070309020205020404" pitchFamily="49" charset="0"/>
+                  </a:rPr>
+                  <a:t>ecg</a:t>
+                </a:r>
+                <a:endParaRPr lang="en-US" b="1" dirty="0">
                   <a:solidFill>
                     <a:srgbClr val="FFFFFF"/>
                   </a:solidFill>
                   <a:latin typeface="Courier New" panose="02070309020205020404" pitchFamily="49" charset="0"/>
                   <a:ea typeface="ＭＳ Ｐゴシック" charset="0"/>
                   <a:cs typeface="Courier New" panose="02070309020205020404" pitchFamily="49" charset="0"/>
-                </a:rPr>
-                <a:t>ecg</a:t>
-              </a:r>
-              <a:endParaRPr lang="en-US" b="1" dirty="0">
-                <a:solidFill>
-                  <a:srgbClr val="FFFFFF"/>
-                </a:solidFill>
-                <a:latin typeface="Courier New" panose="02070309020205020404" pitchFamily="49" charset="0"/>
-                <a:ea typeface="ＭＳ Ｐゴシック" charset="0"/>
-                <a:cs typeface="Courier New" panose="02070309020205020404" pitchFamily="49" charset="0"/>
-              </a:endParaRPr>
-            </a:p>
-          </p:txBody>
-        </p:sp>
-        <p:sp>
-          <p:nvSpPr>
-            <p:cNvPr id="52" name="Google Shape;82;p19">
-              <a:extLst>
-                <a:ext uri="{FF2B5EF4-FFF2-40B4-BE49-F238E27FC236}">
-                  <a16:creationId xmlns:a16="http://schemas.microsoft.com/office/drawing/2014/main" id="{69139A60-5868-0A4B-ABB4-EEA539AA3A96}"/>
-                </a:ext>
-              </a:extLst>
-            </p:cNvPr>
-            <p:cNvSpPr/>
-            <p:nvPr/>
-          </p:nvSpPr>
-          <p:spPr>
-            <a:xfrm>
-              <a:off x="2356834" y="5881559"/>
-              <a:ext cx="3334348" cy="496057"/>
-            </a:xfrm>
-            <a:prstGeom prst="roundRect">
-              <a:avLst>
-                <a:gd name="adj" fmla="val 19108"/>
-              </a:avLst>
-            </a:prstGeom>
-            <a:solidFill>
-              <a:schemeClr val="accent1"/>
-            </a:solidFill>
-            <a:ln w="9525" cap="flat" cmpd="sng">
-              <a:noFill/>
-              <a:prstDash val="solid"/>
-              <a:round/>
-              <a:headEnd type="none" w="sm" len="sm"/>
-              <a:tailEnd type="none" w="sm" len="sm"/>
-            </a:ln>
-          </p:spPr>
-          <p:txBody>
-            <a:bodyPr spcFirstLastPara="1" wrap="square" lIns="91425" tIns="0" rIns="91425" bIns="0" anchor="ctr" anchorCtr="0">
-              <a:noAutofit/>
-            </a:bodyPr>
-            <a:lstStyle/>
-            <a:p>
-              <a:pPr algn="ctr" fontAlgn="base">
-                <a:defRPr/>
-              </a:pPr>
-              <a:r>
-                <a:rPr lang="en-US" sz="2800" b="1" dirty="0" err="1">
+                </a:endParaRPr>
+              </a:p>
+            </p:txBody>
+          </p:sp>
+          <p:sp>
+            <p:nvSpPr>
+              <p:cNvPr id="52" name="Google Shape;82;p19">
+                <a:extLst>
+                  <a:ext uri="{FF2B5EF4-FFF2-40B4-BE49-F238E27FC236}">
+                    <a16:creationId xmlns:a16="http://schemas.microsoft.com/office/drawing/2014/main" id="{69139A60-5868-0A4B-ABB4-EEA539AA3A96}"/>
+                  </a:ext>
+                </a:extLst>
+              </p:cNvPr>
+              <p:cNvSpPr/>
+              <p:nvPr/>
+            </p:nvSpPr>
+            <p:spPr>
+              <a:xfrm>
+                <a:off x="2356834" y="5881559"/>
+                <a:ext cx="3334348" cy="496057"/>
+              </a:xfrm>
+              <a:prstGeom prst="roundRect">
+                <a:avLst>
+                  <a:gd name="adj" fmla="val 19108"/>
+                </a:avLst>
+              </a:prstGeom>
+              <a:solidFill>
+                <a:schemeClr val="accent1"/>
+              </a:solidFill>
+              <a:ln w="9525" cap="flat" cmpd="sng">
+                <a:noFill/>
+                <a:prstDash val="solid"/>
+                <a:round/>
+                <a:headEnd type="none" w="sm" len="sm"/>
+                <a:tailEnd type="none" w="sm" len="sm"/>
+              </a:ln>
+            </p:spPr>
+            <p:txBody>
+              <a:bodyPr spcFirstLastPara="1" wrap="square" lIns="91425" tIns="0" rIns="91425" bIns="0" anchor="ctr" anchorCtr="0">
+                <a:noAutofit/>
+              </a:bodyPr>
+              <a:lstStyle/>
+              <a:p>
+                <a:pPr algn="ctr" fontAlgn="base">
+                  <a:defRPr/>
+                </a:pPr>
+                <a:r>
+                  <a:rPr lang="en-US" sz="2800" b="1" dirty="0" err="1">
+                    <a:solidFill>
+                      <a:srgbClr val="FFFFFF"/>
+                    </a:solidFill>
+                    <a:latin typeface="Courier New" panose="02070309020205020404" pitchFamily="49" charset="0"/>
+                    <a:ea typeface="ＭＳ Ｐゴシック" charset="0"/>
+                    <a:cs typeface="Courier New" panose="02070309020205020404" pitchFamily="49" charset="0"/>
+                  </a:rPr>
+                  <a:t>eeg</a:t>
+                </a:r>
+                <a:endParaRPr lang="en-US" sz="2000" b="1" dirty="0">
                   <a:solidFill>
                     <a:srgbClr val="FFFFFF"/>
                   </a:solidFill>
                   <a:latin typeface="Courier New" panose="02070309020205020404" pitchFamily="49" charset="0"/>
                   <a:ea typeface="ＭＳ Ｐゴシック" charset="0"/>
                   <a:cs typeface="Courier New" panose="02070309020205020404" pitchFamily="49" charset="0"/>
-                </a:rPr>
-                <a:t>eeg</a:t>
-              </a:r>
-              <a:endParaRPr lang="en-US" sz="2000" b="1" dirty="0">
-                <a:solidFill>
-                  <a:srgbClr val="FFFFFF"/>
-                </a:solidFill>
-                <a:latin typeface="Courier New" panose="02070309020205020404" pitchFamily="49" charset="0"/>
-                <a:ea typeface="ＭＳ Ｐゴシック" charset="0"/>
-                <a:cs typeface="Courier New" panose="02070309020205020404" pitchFamily="49" charset="0"/>
-              </a:endParaRPr>
-            </a:p>
-          </p:txBody>
-        </p:sp>
-        <p:sp>
-          <p:nvSpPr>
-            <p:cNvPr id="53" name="Google Shape;82;p19">
-              <a:extLst>
-                <a:ext uri="{FF2B5EF4-FFF2-40B4-BE49-F238E27FC236}">
-                  <a16:creationId xmlns:a16="http://schemas.microsoft.com/office/drawing/2014/main" id="{1D951784-6E37-D640-86FC-B01BBBF63B70}"/>
-                </a:ext>
-              </a:extLst>
-            </p:cNvPr>
-            <p:cNvSpPr/>
-            <p:nvPr/>
-          </p:nvSpPr>
-          <p:spPr>
-            <a:xfrm>
-              <a:off x="2356834" y="6462620"/>
-              <a:ext cx="3334348" cy="496057"/>
-            </a:xfrm>
-            <a:prstGeom prst="roundRect">
-              <a:avLst>
-                <a:gd name="adj" fmla="val 19108"/>
-              </a:avLst>
-            </a:prstGeom>
-            <a:solidFill>
-              <a:schemeClr val="accent1"/>
-            </a:solidFill>
-            <a:ln w="9525" cap="flat" cmpd="sng">
-              <a:noFill/>
-              <a:prstDash val="solid"/>
-              <a:round/>
-              <a:headEnd type="none" w="sm" len="sm"/>
-              <a:tailEnd type="none" w="sm" len="sm"/>
-            </a:ln>
-          </p:spPr>
-          <p:txBody>
-            <a:bodyPr spcFirstLastPara="1" wrap="square" lIns="91425" tIns="0" rIns="91425" bIns="0" anchor="ctr" anchorCtr="0">
-              <a:noAutofit/>
-            </a:bodyPr>
-            <a:lstStyle/>
-            <a:p>
-              <a:pPr algn="ctr" fontAlgn="base">
-                <a:defRPr/>
-              </a:pPr>
-              <a:r>
-                <a:rPr lang="en-US" sz="2800" b="1" dirty="0" err="1">
+                </a:endParaRPr>
+              </a:p>
+            </p:txBody>
+          </p:sp>
+          <p:sp>
+            <p:nvSpPr>
+              <p:cNvPr id="53" name="Google Shape;82;p19">
+                <a:extLst>
+                  <a:ext uri="{FF2B5EF4-FFF2-40B4-BE49-F238E27FC236}">
+                    <a16:creationId xmlns:a16="http://schemas.microsoft.com/office/drawing/2014/main" id="{1D951784-6E37-D640-86FC-B01BBBF63B70}"/>
+                  </a:ext>
+                </a:extLst>
+              </p:cNvPr>
+              <p:cNvSpPr/>
+              <p:nvPr/>
+            </p:nvSpPr>
+            <p:spPr>
+              <a:xfrm>
+                <a:off x="2356834" y="6462620"/>
+                <a:ext cx="3334348" cy="496057"/>
+              </a:xfrm>
+              <a:prstGeom prst="roundRect">
+                <a:avLst>
+                  <a:gd name="adj" fmla="val 19108"/>
+                </a:avLst>
+              </a:prstGeom>
+              <a:solidFill>
+                <a:schemeClr val="accent1"/>
+              </a:solidFill>
+              <a:ln w="9525" cap="flat" cmpd="sng">
+                <a:noFill/>
+                <a:prstDash val="solid"/>
+                <a:round/>
+                <a:headEnd type="none" w="sm" len="sm"/>
+                <a:tailEnd type="none" w="sm" len="sm"/>
+              </a:ln>
+            </p:spPr>
+            <p:txBody>
+              <a:bodyPr spcFirstLastPara="1" wrap="square" lIns="91425" tIns="0" rIns="91425" bIns="0" anchor="ctr" anchorCtr="0">
+                <a:noAutofit/>
+              </a:bodyPr>
+              <a:lstStyle/>
+              <a:p>
+                <a:pPr algn="ctr" fontAlgn="base">
+                  <a:defRPr/>
+                </a:pPr>
+                <a:r>
+                  <a:rPr lang="en-US" sz="2800" b="1" dirty="0" err="1">
+                    <a:solidFill>
+                      <a:srgbClr val="FFFFFF"/>
+                    </a:solidFill>
+                    <a:latin typeface="Courier New" panose="02070309020205020404" pitchFamily="49" charset="0"/>
+                    <a:ea typeface="ＭＳ Ｐゴシック" charset="0"/>
+                    <a:cs typeface="Courier New" panose="02070309020205020404" pitchFamily="49" charset="0"/>
+                  </a:rPr>
+                  <a:t>imu</a:t>
+                </a:r>
+                <a:endParaRPr lang="en-US" sz="2000" b="1" dirty="0">
                   <a:solidFill>
                     <a:srgbClr val="FFFFFF"/>
                   </a:solidFill>
                   <a:latin typeface="Courier New" panose="02070309020205020404" pitchFamily="49" charset="0"/>
                   <a:ea typeface="ＭＳ Ｐゴシック" charset="0"/>
                   <a:cs typeface="Courier New" panose="02070309020205020404" pitchFamily="49" charset="0"/>
-                </a:rPr>
-                <a:t>imu</a:t>
-              </a:r>
-              <a:endParaRPr lang="en-US" sz="2000" b="1" dirty="0">
-                <a:solidFill>
-                  <a:srgbClr val="FFFFFF"/>
-                </a:solidFill>
-                <a:latin typeface="Courier New" panose="02070309020205020404" pitchFamily="49" charset="0"/>
-                <a:ea typeface="ＭＳ Ｐゴシック" charset="0"/>
-                <a:cs typeface="Courier New" panose="02070309020205020404" pitchFamily="49" charset="0"/>
-              </a:endParaRPr>
-            </a:p>
-          </p:txBody>
-        </p:sp>
-        <p:sp>
-          <p:nvSpPr>
-            <p:cNvPr id="54" name="Google Shape;82;p19">
-              <a:extLst>
-                <a:ext uri="{FF2B5EF4-FFF2-40B4-BE49-F238E27FC236}">
-                  <a16:creationId xmlns:a16="http://schemas.microsoft.com/office/drawing/2014/main" id="{91760F7C-4671-FE4A-9698-ACDDC71B9071}"/>
-                </a:ext>
-              </a:extLst>
-            </p:cNvPr>
-            <p:cNvSpPr/>
-            <p:nvPr/>
-          </p:nvSpPr>
-          <p:spPr>
-            <a:xfrm>
-              <a:off x="2356834" y="9008296"/>
-              <a:ext cx="3334348" cy="496057"/>
-            </a:xfrm>
-            <a:prstGeom prst="roundRect">
-              <a:avLst>
-                <a:gd name="adj" fmla="val 19108"/>
-              </a:avLst>
-            </a:prstGeom>
-            <a:solidFill>
-              <a:schemeClr val="accent1"/>
-            </a:solidFill>
-            <a:ln w="9525" cap="flat" cmpd="sng">
-              <a:noFill/>
-              <a:prstDash val="solid"/>
-              <a:round/>
-              <a:headEnd type="none" w="sm" len="sm"/>
-              <a:tailEnd type="none" w="sm" len="sm"/>
-            </a:ln>
-          </p:spPr>
-          <p:txBody>
-            <a:bodyPr spcFirstLastPara="1" wrap="square" lIns="91425" tIns="0" rIns="91425" bIns="0" anchor="ctr" anchorCtr="0">
-              <a:noAutofit/>
-            </a:bodyPr>
-            <a:lstStyle/>
-            <a:p>
-              <a:pPr algn="ctr" fontAlgn="base">
-                <a:defRPr/>
-              </a:pPr>
-              <a:r>
-                <a:rPr lang="en-US" sz="2800" b="1" dirty="0" err="1">
+                </a:endParaRPr>
+              </a:p>
+            </p:txBody>
+          </p:sp>
+          <p:sp>
+            <p:nvSpPr>
+              <p:cNvPr id="54" name="Google Shape;82;p19">
+                <a:extLst>
+                  <a:ext uri="{FF2B5EF4-FFF2-40B4-BE49-F238E27FC236}">
+                    <a16:creationId xmlns:a16="http://schemas.microsoft.com/office/drawing/2014/main" id="{91760F7C-4671-FE4A-9698-ACDDC71B9071}"/>
+                  </a:ext>
+                </a:extLst>
+              </p:cNvPr>
+              <p:cNvSpPr/>
+              <p:nvPr/>
+            </p:nvSpPr>
+            <p:spPr>
+              <a:xfrm>
+                <a:off x="2356834" y="9008296"/>
+                <a:ext cx="3334348" cy="496057"/>
+              </a:xfrm>
+              <a:prstGeom prst="roundRect">
+                <a:avLst>
+                  <a:gd name="adj" fmla="val 19108"/>
+                </a:avLst>
+              </a:prstGeom>
+              <a:solidFill>
+                <a:schemeClr val="accent1"/>
+              </a:solidFill>
+              <a:ln w="9525" cap="flat" cmpd="sng">
+                <a:noFill/>
+                <a:prstDash val="solid"/>
+                <a:round/>
+                <a:headEnd type="none" w="sm" len="sm"/>
+                <a:tailEnd type="none" w="sm" len="sm"/>
+              </a:ln>
+            </p:spPr>
+            <p:txBody>
+              <a:bodyPr spcFirstLastPara="1" wrap="square" lIns="91425" tIns="0" rIns="91425" bIns="0" anchor="ctr" anchorCtr="0">
+                <a:noAutofit/>
+              </a:bodyPr>
+              <a:lstStyle/>
+              <a:p>
+                <a:pPr algn="ctr" fontAlgn="base">
+                  <a:defRPr/>
+                </a:pPr>
+                <a:r>
+                  <a:rPr lang="en-US" sz="2800" b="1" dirty="0" err="1">
+                    <a:solidFill>
+                      <a:srgbClr val="FFFFFF"/>
+                    </a:solidFill>
+                    <a:latin typeface="Courier New" panose="02070309020205020404" pitchFamily="49" charset="0"/>
+                    <a:ea typeface="ＭＳ Ｐゴシック" charset="0"/>
+                    <a:cs typeface="Courier New" panose="02070309020205020404" pitchFamily="49" charset="0"/>
+                  </a:rPr>
+                  <a:t>rsp</a:t>
+                </a:r>
+                <a:endParaRPr lang="en-US" sz="2000" b="1" dirty="0">
                   <a:solidFill>
                     <a:srgbClr val="FFFFFF"/>
                   </a:solidFill>
                   <a:latin typeface="Courier New" panose="02070309020205020404" pitchFamily="49" charset="0"/>
                   <a:ea typeface="ＭＳ Ｐゴシック" charset="0"/>
                   <a:cs typeface="Courier New" panose="02070309020205020404" pitchFamily="49" charset="0"/>
-                </a:rPr>
-                <a:t>rsp</a:t>
-              </a:r>
-              <a:endParaRPr lang="en-US" sz="2000" b="1" dirty="0">
+                </a:endParaRPr>
+              </a:p>
+            </p:txBody>
+          </p:sp>
+          <p:sp>
+            <p:nvSpPr>
+              <p:cNvPr id="55" name="Google Shape;82;p19">
+                <a:extLst>
+                  <a:ext uri="{FF2B5EF4-FFF2-40B4-BE49-F238E27FC236}">
+                    <a16:creationId xmlns:a16="http://schemas.microsoft.com/office/drawing/2014/main" id="{0457A075-5FE5-BD4D-8D4F-E35624D5A2D2}"/>
+                  </a:ext>
+                </a:extLst>
+              </p:cNvPr>
+              <p:cNvSpPr/>
+              <p:nvPr/>
+            </p:nvSpPr>
+            <p:spPr>
+              <a:xfrm>
+                <a:off x="1834321" y="3250392"/>
+                <a:ext cx="469475" cy="596293"/>
+              </a:xfrm>
+              <a:prstGeom prst="roundRect">
+                <a:avLst>
+                  <a:gd name="adj" fmla="val 19108"/>
+                </a:avLst>
+              </a:prstGeom>
+              <a:solidFill>
+                <a:schemeClr val="accent1"/>
+              </a:solidFill>
+              <a:ln w="9525" cap="flat" cmpd="sng">
+                <a:noFill/>
+                <a:prstDash val="solid"/>
+                <a:round/>
+                <a:headEnd type="none" w="sm" len="sm"/>
+                <a:tailEnd type="none" w="sm" len="sm"/>
+              </a:ln>
+            </p:spPr>
+            <p:txBody>
+              <a:bodyPr spcFirstLastPara="1" wrap="square" lIns="91425" tIns="0" rIns="91425" bIns="0" anchor="ctr" anchorCtr="0">
+                <a:noAutofit/>
+              </a:bodyPr>
+              <a:lstStyle/>
+              <a:p>
+                <a:pPr algn="ctr" fontAlgn="base">
+                  <a:defRPr/>
+                </a:pPr>
+                <a:endParaRPr lang="en-US" sz="1600" b="1" dirty="0">
+                  <a:solidFill>
+                    <a:srgbClr val="FFFFFF"/>
+                  </a:solidFill>
+                  <a:latin typeface="Arial" panose="020B0604020202020204" pitchFamily="34" charset="0"/>
+                  <a:ea typeface="ＭＳ Ｐゴシック" charset="0"/>
+                  <a:cs typeface="Arial" panose="020B0604020202020204" pitchFamily="34" charset="0"/>
+                </a:endParaRPr>
+              </a:p>
+            </p:txBody>
+          </p:sp>
+          <p:cxnSp>
+            <p:nvCxnSpPr>
+              <p:cNvPr id="57" name="Straight Arrow Connector 56">
+                <a:extLst>
+                  <a:ext uri="{FF2B5EF4-FFF2-40B4-BE49-F238E27FC236}">
+                    <a16:creationId xmlns:a16="http://schemas.microsoft.com/office/drawing/2014/main" id="{C684C207-50E4-F346-AB49-DC1A9DAE71A6}"/>
+                  </a:ext>
+                </a:extLst>
+              </p:cNvPr>
+              <p:cNvCxnSpPr>
+                <a:cxnSpLocks/>
+                <a:stCxn id="55" idx="2"/>
+                <a:endCxn id="51" idx="1"/>
+              </p:cNvCxnSpPr>
+              <p:nvPr/>
+            </p:nvCxnSpPr>
+            <p:spPr>
+              <a:xfrm rot="16200000" flipH="1">
+                <a:off x="2015275" y="3900468"/>
+                <a:ext cx="395342" cy="287775"/>
+              </a:xfrm>
+              <a:prstGeom prst="bentConnector2">
+                <a:avLst/>
+              </a:prstGeom>
+              <a:ln w="38100">
                 <a:solidFill>
-                  <a:srgbClr val="FFFFFF"/>
+                  <a:schemeClr val="tx1"/>
                 </a:solidFill>
-                <a:latin typeface="Courier New" panose="02070309020205020404" pitchFamily="49" charset="0"/>
-                <a:ea typeface="ＭＳ Ｐゴシック" charset="0"/>
-                <a:cs typeface="Courier New" panose="02070309020205020404" pitchFamily="49" charset="0"/>
-              </a:endParaRPr>
-            </a:p>
-          </p:txBody>
-        </p:sp>
-        <p:sp>
-          <p:nvSpPr>
-            <p:cNvPr id="55" name="Google Shape;82;p19">
-              <a:extLst>
-                <a:ext uri="{FF2B5EF4-FFF2-40B4-BE49-F238E27FC236}">
-                  <a16:creationId xmlns:a16="http://schemas.microsoft.com/office/drawing/2014/main" id="{0457A075-5FE5-BD4D-8D4F-E35624D5A2D2}"/>
-                </a:ext>
-              </a:extLst>
-            </p:cNvPr>
-            <p:cNvSpPr/>
-            <p:nvPr/>
-          </p:nvSpPr>
-          <p:spPr>
-            <a:xfrm>
-              <a:off x="1834321" y="3250392"/>
-              <a:ext cx="469475" cy="596293"/>
-            </a:xfrm>
-            <a:prstGeom prst="roundRect">
-              <a:avLst>
-                <a:gd name="adj" fmla="val 19108"/>
-              </a:avLst>
-            </a:prstGeom>
-            <a:solidFill>
-              <a:schemeClr val="accent1"/>
-            </a:solidFill>
-            <a:ln w="9525" cap="flat" cmpd="sng">
-              <a:noFill/>
-              <a:prstDash val="solid"/>
-              <a:round/>
-              <a:headEnd type="none" w="sm" len="sm"/>
-              <a:tailEnd type="none" w="sm" len="sm"/>
-            </a:ln>
-          </p:spPr>
-          <p:txBody>
-            <a:bodyPr spcFirstLastPara="1" wrap="square" lIns="91425" tIns="0" rIns="91425" bIns="0" anchor="ctr" anchorCtr="0">
-              <a:noAutofit/>
-            </a:bodyPr>
-            <a:lstStyle/>
-            <a:p>
-              <a:pPr algn="ctr" fontAlgn="base">
-                <a:defRPr/>
-              </a:pPr>
-              <a:endParaRPr lang="en-US" sz="1600" b="1" dirty="0">
+                <a:tailEnd type="triangle"/>
+              </a:ln>
+            </p:spPr>
+            <p:style>
+              <a:lnRef idx="1">
+                <a:schemeClr val="accent1"/>
+              </a:lnRef>
+              <a:fillRef idx="0">
+                <a:schemeClr val="accent1"/>
+              </a:fillRef>
+              <a:effectRef idx="0">
+                <a:schemeClr val="accent1"/>
+              </a:effectRef>
+              <a:fontRef idx="minor">
+                <a:schemeClr val="tx1"/>
+              </a:fontRef>
+            </p:style>
+          </p:cxnSp>
+          <p:cxnSp>
+            <p:nvCxnSpPr>
+              <p:cNvPr id="58" name="Straight Arrow Connector 56">
+                <a:extLst>
+                  <a:ext uri="{FF2B5EF4-FFF2-40B4-BE49-F238E27FC236}">
+                    <a16:creationId xmlns:a16="http://schemas.microsoft.com/office/drawing/2014/main" id="{8915F0AF-3EDC-5343-AE25-92FB2D286F0D}"/>
+                  </a:ext>
+                </a:extLst>
+              </p:cNvPr>
+              <p:cNvCxnSpPr>
+                <a:cxnSpLocks/>
+                <a:stCxn id="55" idx="2"/>
+                <a:endCxn id="52" idx="1"/>
+              </p:cNvCxnSpPr>
+              <p:nvPr/>
+            </p:nvCxnSpPr>
+            <p:spPr>
+              <a:xfrm rot="16200000" flipH="1">
+                <a:off x="1071495" y="4844248"/>
+                <a:ext cx="2282903" cy="287775"/>
+              </a:xfrm>
+              <a:prstGeom prst="bentConnector2">
+                <a:avLst/>
+              </a:prstGeom>
+              <a:ln w="38100">
                 <a:solidFill>
-                  <a:srgbClr val="FFFFFF"/>
+                  <a:schemeClr val="tx1"/>
                 </a:solidFill>
-                <a:latin typeface="Arial" panose="020B0604020202020204" pitchFamily="34" charset="0"/>
-                <a:ea typeface="ＭＳ Ｐゴシック" charset="0"/>
-                <a:cs typeface="Arial" panose="020B0604020202020204" pitchFamily="34" charset="0"/>
-              </a:endParaRPr>
-            </a:p>
-          </p:txBody>
-        </p:sp>
-        <p:cxnSp>
-          <p:nvCxnSpPr>
-            <p:cNvPr id="57" name="Straight Arrow Connector 56">
-              <a:extLst>
-                <a:ext uri="{FF2B5EF4-FFF2-40B4-BE49-F238E27FC236}">
-                  <a16:creationId xmlns:a16="http://schemas.microsoft.com/office/drawing/2014/main" id="{C684C207-50E4-F346-AB49-DC1A9DAE71A6}"/>
-                </a:ext>
-              </a:extLst>
-            </p:cNvPr>
-            <p:cNvCxnSpPr>
-              <a:cxnSpLocks/>
-              <a:stCxn id="55" idx="2"/>
-              <a:endCxn id="51" idx="1"/>
-            </p:cNvCxnSpPr>
-            <p:nvPr/>
-          </p:nvCxnSpPr>
-          <p:spPr>
-            <a:xfrm rot="16200000" flipH="1">
-              <a:off x="2015275" y="3900468"/>
-              <a:ext cx="395342" cy="287775"/>
-            </a:xfrm>
-            <a:prstGeom prst="bentConnector2">
-              <a:avLst/>
-            </a:prstGeom>
-            <a:ln w="38100">
+                <a:tailEnd type="triangle"/>
+              </a:ln>
+            </p:spPr>
+            <p:style>
+              <a:lnRef idx="1">
+                <a:schemeClr val="accent1"/>
+              </a:lnRef>
+              <a:fillRef idx="0">
+                <a:schemeClr val="accent1"/>
+              </a:fillRef>
+              <a:effectRef idx="0">
+                <a:schemeClr val="accent1"/>
+              </a:effectRef>
+              <a:fontRef idx="minor">
+                <a:schemeClr val="tx1"/>
+              </a:fontRef>
+            </p:style>
+          </p:cxnSp>
+          <p:cxnSp>
+            <p:nvCxnSpPr>
+              <p:cNvPr id="61" name="Straight Arrow Connector 56">
+                <a:extLst>
+                  <a:ext uri="{FF2B5EF4-FFF2-40B4-BE49-F238E27FC236}">
+                    <a16:creationId xmlns:a16="http://schemas.microsoft.com/office/drawing/2014/main" id="{4EB7EF60-FD8F-FA46-ADED-1251344E4D0F}"/>
+                  </a:ext>
+                </a:extLst>
+              </p:cNvPr>
+              <p:cNvCxnSpPr>
+                <a:cxnSpLocks/>
+                <a:stCxn id="55" idx="2"/>
+                <a:endCxn id="53" idx="1"/>
+              </p:cNvCxnSpPr>
+              <p:nvPr/>
+            </p:nvCxnSpPr>
+            <p:spPr>
+              <a:xfrm rot="16200000" flipH="1">
+                <a:off x="780964" y="5134779"/>
+                <a:ext cx="2863964" cy="287775"/>
+              </a:xfrm>
+              <a:prstGeom prst="bentConnector2">
+                <a:avLst/>
+              </a:prstGeom>
+              <a:ln w="38100">
+                <a:solidFill>
+                  <a:schemeClr val="tx1"/>
+                </a:solidFill>
+                <a:tailEnd type="triangle"/>
+              </a:ln>
+            </p:spPr>
+            <p:style>
+              <a:lnRef idx="1">
+                <a:schemeClr val="accent1"/>
+              </a:lnRef>
+              <a:fillRef idx="0">
+                <a:schemeClr val="accent1"/>
+              </a:fillRef>
+              <a:effectRef idx="0">
+                <a:schemeClr val="accent1"/>
+              </a:effectRef>
+              <a:fontRef idx="minor">
+                <a:schemeClr val="tx1"/>
+              </a:fontRef>
+            </p:style>
+          </p:cxnSp>
+          <p:cxnSp>
+            <p:nvCxnSpPr>
+              <p:cNvPr id="64" name="Straight Arrow Connector 56">
+                <a:extLst>
+                  <a:ext uri="{FF2B5EF4-FFF2-40B4-BE49-F238E27FC236}">
+                    <a16:creationId xmlns:a16="http://schemas.microsoft.com/office/drawing/2014/main" id="{D2E25897-8D4A-4C4C-BD15-C1DBDDDBA28D}"/>
+                  </a:ext>
+                </a:extLst>
+              </p:cNvPr>
+              <p:cNvCxnSpPr>
+                <a:cxnSpLocks/>
+                <a:stCxn id="55" idx="2"/>
+                <a:endCxn id="54" idx="1"/>
+              </p:cNvCxnSpPr>
+              <p:nvPr/>
+            </p:nvCxnSpPr>
+            <p:spPr>
+              <a:xfrm rot="16200000" flipH="1">
+                <a:off x="-491874" y="6407617"/>
+                <a:ext cx="5409640" cy="287775"/>
+              </a:xfrm>
+              <a:prstGeom prst="bentConnector2">
+                <a:avLst/>
+              </a:prstGeom>
+              <a:ln w="38100">
+                <a:solidFill>
+                  <a:schemeClr val="tx1"/>
+                </a:solidFill>
+                <a:tailEnd type="triangle"/>
+              </a:ln>
+            </p:spPr>
+            <p:style>
+              <a:lnRef idx="1">
+                <a:schemeClr val="accent1"/>
+              </a:lnRef>
+              <a:fillRef idx="0">
+                <a:schemeClr val="accent1"/>
+              </a:fillRef>
+              <a:effectRef idx="0">
+                <a:schemeClr val="accent1"/>
+              </a:effectRef>
+              <a:fontRef idx="minor">
+                <a:schemeClr val="tx1"/>
+              </a:fontRef>
+            </p:style>
+          </p:cxnSp>
+          <p:cxnSp>
+            <p:nvCxnSpPr>
+              <p:cNvPr id="67" name="Straight Arrow Connector 56">
+                <a:extLst>
+                  <a:ext uri="{FF2B5EF4-FFF2-40B4-BE49-F238E27FC236}">
+                    <a16:creationId xmlns:a16="http://schemas.microsoft.com/office/drawing/2014/main" id="{C06F4409-C21F-D747-AF56-BD1E61496869}"/>
+                  </a:ext>
+                </a:extLst>
+              </p:cNvPr>
+              <p:cNvCxnSpPr>
+                <a:cxnSpLocks/>
+                <a:stCxn id="69" idx="2"/>
+                <a:endCxn id="55" idx="1"/>
+              </p:cNvCxnSpPr>
+              <p:nvPr/>
+            </p:nvCxnSpPr>
+            <p:spPr>
+              <a:xfrm rot="16200000" flipH="1">
+                <a:off x="1368268" y="3082486"/>
+                <a:ext cx="462632" cy="469473"/>
+              </a:xfrm>
+              <a:prstGeom prst="bentConnector2">
+                <a:avLst/>
+              </a:prstGeom>
+              <a:ln w="38100">
+                <a:solidFill>
+                  <a:schemeClr val="tx1"/>
+                </a:solidFill>
+                <a:tailEnd type="triangle"/>
+              </a:ln>
+            </p:spPr>
+            <p:style>
+              <a:lnRef idx="1">
+                <a:schemeClr val="accent1"/>
+              </a:lnRef>
+              <a:fillRef idx="0">
+                <a:schemeClr val="accent1"/>
+              </a:fillRef>
+              <a:effectRef idx="0">
+                <a:schemeClr val="accent1"/>
+              </a:effectRef>
+              <a:fontRef idx="minor">
+                <a:schemeClr val="tx1"/>
+              </a:fontRef>
+            </p:style>
+          </p:cxnSp>
+          <p:cxnSp>
+            <p:nvCxnSpPr>
+              <p:cNvPr id="72" name="Straight Arrow Connector 56">
+                <a:extLst>
+                  <a:ext uri="{FF2B5EF4-FFF2-40B4-BE49-F238E27FC236}">
+                    <a16:creationId xmlns:a16="http://schemas.microsoft.com/office/drawing/2014/main" id="{BF57BA39-663F-8140-A6EB-AC4857117EC6}"/>
+                  </a:ext>
+                </a:extLst>
+              </p:cNvPr>
+              <p:cNvCxnSpPr>
+                <a:cxnSpLocks/>
+                <a:stCxn id="69" idx="2"/>
+                <a:endCxn id="10" idx="1"/>
+              </p:cNvCxnSpPr>
+              <p:nvPr/>
+            </p:nvCxnSpPr>
+            <p:spPr>
+              <a:xfrm rot="16200000" flipH="1">
+                <a:off x="-1824313" y="6275068"/>
+                <a:ext cx="6847796" cy="469474"/>
+              </a:xfrm>
+              <a:prstGeom prst="bentConnector2">
+                <a:avLst/>
+              </a:prstGeom>
+              <a:ln w="38100">
+                <a:solidFill>
+                  <a:schemeClr val="tx1"/>
+                </a:solidFill>
+                <a:tailEnd type="triangle"/>
+              </a:ln>
+            </p:spPr>
+            <p:style>
+              <a:lnRef idx="1">
+                <a:schemeClr val="accent1"/>
+              </a:lnRef>
+              <a:fillRef idx="0">
+                <a:schemeClr val="accent1"/>
+              </a:fillRef>
+              <a:effectRef idx="0">
+                <a:schemeClr val="accent1"/>
+              </a:effectRef>
+              <a:fontRef idx="minor">
+                <a:schemeClr val="tx1"/>
+              </a:fontRef>
+            </p:style>
+          </p:cxnSp>
+          <p:sp>
+            <p:nvSpPr>
+              <p:cNvPr id="77" name="Google Shape;82;p19">
+                <a:extLst>
+                  <a:ext uri="{FF2B5EF4-FFF2-40B4-BE49-F238E27FC236}">
+                    <a16:creationId xmlns:a16="http://schemas.microsoft.com/office/drawing/2014/main" id="{4D683DB3-67A9-9848-8CA7-6055AB03C291}"/>
+                  </a:ext>
+                </a:extLst>
+              </p:cNvPr>
+              <p:cNvSpPr/>
+              <p:nvPr/>
+            </p:nvSpPr>
+            <p:spPr>
+              <a:xfrm>
+                <a:off x="2356834" y="10315803"/>
+                <a:ext cx="3334348" cy="496057"/>
+              </a:xfrm>
+              <a:prstGeom prst="roundRect">
+                <a:avLst>
+                  <a:gd name="adj" fmla="val 19108"/>
+                </a:avLst>
+              </a:prstGeom>
               <a:solidFill>
-                <a:schemeClr val="tx1"/>
+                <a:schemeClr val="accent1"/>
               </a:solidFill>
-              <a:tailEnd type="triangle"/>
-            </a:ln>
-          </p:spPr>
-          <p:style>
-            <a:lnRef idx="1">
-              <a:schemeClr val="accent1"/>
-            </a:lnRef>
-            <a:fillRef idx="0">
-              <a:schemeClr val="accent1"/>
-            </a:fillRef>
-            <a:effectRef idx="0">
-              <a:schemeClr val="accent1"/>
-            </a:effectRef>
-            <a:fontRef idx="minor">
-              <a:schemeClr val="tx1"/>
-            </a:fontRef>
-          </p:style>
-        </p:cxnSp>
-        <p:cxnSp>
-          <p:nvCxnSpPr>
-            <p:cNvPr id="58" name="Straight Arrow Connector 56">
-              <a:extLst>
-                <a:ext uri="{FF2B5EF4-FFF2-40B4-BE49-F238E27FC236}">
-                  <a16:creationId xmlns:a16="http://schemas.microsoft.com/office/drawing/2014/main" id="{8915F0AF-3EDC-5343-AE25-92FB2D286F0D}"/>
-                </a:ext>
-              </a:extLst>
-            </p:cNvPr>
-            <p:cNvCxnSpPr>
-              <a:cxnSpLocks/>
-              <a:stCxn id="55" idx="2"/>
-              <a:endCxn id="52" idx="1"/>
-            </p:cNvCxnSpPr>
-            <p:nvPr/>
-          </p:nvCxnSpPr>
-          <p:spPr>
-            <a:xfrm rot="16200000" flipH="1">
-              <a:off x="1071495" y="4844248"/>
-              <a:ext cx="2282903" cy="287775"/>
-            </a:xfrm>
-            <a:prstGeom prst="bentConnector2">
-              <a:avLst/>
-            </a:prstGeom>
-            <a:ln w="38100">
-              <a:solidFill>
-                <a:schemeClr val="tx1"/>
-              </a:solidFill>
-              <a:tailEnd type="triangle"/>
-            </a:ln>
-          </p:spPr>
-          <p:style>
-            <a:lnRef idx="1">
-              <a:schemeClr val="accent1"/>
-            </a:lnRef>
-            <a:fillRef idx="0">
-              <a:schemeClr val="accent1"/>
-            </a:fillRef>
-            <a:effectRef idx="0">
-              <a:schemeClr val="accent1"/>
-            </a:effectRef>
-            <a:fontRef idx="minor">
-              <a:schemeClr val="tx1"/>
-            </a:fontRef>
-          </p:style>
-        </p:cxnSp>
-        <p:cxnSp>
-          <p:nvCxnSpPr>
-            <p:cNvPr id="61" name="Straight Arrow Connector 56">
-              <a:extLst>
-                <a:ext uri="{FF2B5EF4-FFF2-40B4-BE49-F238E27FC236}">
-                  <a16:creationId xmlns:a16="http://schemas.microsoft.com/office/drawing/2014/main" id="{4EB7EF60-FD8F-FA46-ADED-1251344E4D0F}"/>
-                </a:ext>
-              </a:extLst>
-            </p:cNvPr>
-            <p:cNvCxnSpPr>
-              <a:cxnSpLocks/>
-              <a:stCxn id="55" idx="2"/>
-              <a:endCxn id="53" idx="1"/>
-            </p:cNvCxnSpPr>
-            <p:nvPr/>
-          </p:nvCxnSpPr>
-          <p:spPr>
-            <a:xfrm rot="16200000" flipH="1">
-              <a:off x="780964" y="5134779"/>
-              <a:ext cx="2863964" cy="287775"/>
-            </a:xfrm>
-            <a:prstGeom prst="bentConnector2">
-              <a:avLst/>
-            </a:prstGeom>
-            <a:ln w="38100">
-              <a:solidFill>
-                <a:schemeClr val="tx1"/>
-              </a:solidFill>
-              <a:tailEnd type="triangle"/>
-            </a:ln>
-          </p:spPr>
-          <p:style>
-            <a:lnRef idx="1">
-              <a:schemeClr val="accent1"/>
-            </a:lnRef>
-            <a:fillRef idx="0">
-              <a:schemeClr val="accent1"/>
-            </a:fillRef>
-            <a:effectRef idx="0">
-              <a:schemeClr val="accent1"/>
-            </a:effectRef>
-            <a:fontRef idx="minor">
-              <a:schemeClr val="tx1"/>
-            </a:fontRef>
-          </p:style>
-        </p:cxnSp>
-        <p:cxnSp>
-          <p:nvCxnSpPr>
-            <p:cNvPr id="64" name="Straight Arrow Connector 56">
-              <a:extLst>
-                <a:ext uri="{FF2B5EF4-FFF2-40B4-BE49-F238E27FC236}">
-                  <a16:creationId xmlns:a16="http://schemas.microsoft.com/office/drawing/2014/main" id="{D2E25897-8D4A-4C4C-BD15-C1DBDDDBA28D}"/>
-                </a:ext>
-              </a:extLst>
-            </p:cNvPr>
-            <p:cNvCxnSpPr>
-              <a:cxnSpLocks/>
-              <a:stCxn id="55" idx="2"/>
-              <a:endCxn id="54" idx="1"/>
-            </p:cNvCxnSpPr>
-            <p:nvPr/>
-          </p:nvCxnSpPr>
-          <p:spPr>
-            <a:xfrm rot="16200000" flipH="1">
-              <a:off x="-491874" y="6407617"/>
-              <a:ext cx="5409640" cy="287775"/>
-            </a:xfrm>
-            <a:prstGeom prst="bentConnector2">
-              <a:avLst/>
-            </a:prstGeom>
-            <a:ln w="38100">
-              <a:solidFill>
-                <a:schemeClr val="tx1"/>
-              </a:solidFill>
-              <a:tailEnd type="triangle"/>
-            </a:ln>
-          </p:spPr>
-          <p:style>
-            <a:lnRef idx="1">
-              <a:schemeClr val="accent1"/>
-            </a:lnRef>
-            <a:fillRef idx="0">
-              <a:schemeClr val="accent1"/>
-            </a:fillRef>
-            <a:effectRef idx="0">
-              <a:schemeClr val="accent1"/>
-            </a:effectRef>
-            <a:fontRef idx="minor">
-              <a:schemeClr val="tx1"/>
-            </a:fontRef>
-          </p:style>
-        </p:cxnSp>
-        <p:cxnSp>
-          <p:nvCxnSpPr>
-            <p:cNvPr id="67" name="Straight Arrow Connector 56">
-              <a:extLst>
-                <a:ext uri="{FF2B5EF4-FFF2-40B4-BE49-F238E27FC236}">
-                  <a16:creationId xmlns:a16="http://schemas.microsoft.com/office/drawing/2014/main" id="{C06F4409-C21F-D747-AF56-BD1E61496869}"/>
-                </a:ext>
-              </a:extLst>
-            </p:cNvPr>
-            <p:cNvCxnSpPr>
-              <a:cxnSpLocks/>
-              <a:stCxn id="69" idx="2"/>
-              <a:endCxn id="55" idx="1"/>
-            </p:cNvCxnSpPr>
-            <p:nvPr/>
-          </p:nvCxnSpPr>
-          <p:spPr>
-            <a:xfrm rot="16200000" flipH="1">
-              <a:off x="1368268" y="3082486"/>
-              <a:ext cx="462632" cy="469473"/>
-            </a:xfrm>
-            <a:prstGeom prst="bentConnector2">
-              <a:avLst/>
-            </a:prstGeom>
-            <a:ln w="38100">
-              <a:solidFill>
-                <a:schemeClr val="tx1"/>
-              </a:solidFill>
-              <a:tailEnd type="triangle"/>
-            </a:ln>
-          </p:spPr>
-          <p:style>
-            <a:lnRef idx="1">
-              <a:schemeClr val="accent1"/>
-            </a:lnRef>
-            <a:fillRef idx="0">
-              <a:schemeClr val="accent1"/>
-            </a:fillRef>
-            <a:effectRef idx="0">
-              <a:schemeClr val="accent1"/>
-            </a:effectRef>
-            <a:fontRef idx="minor">
-              <a:schemeClr val="tx1"/>
-            </a:fontRef>
-          </p:style>
-        </p:cxnSp>
-        <p:cxnSp>
-          <p:nvCxnSpPr>
-            <p:cNvPr id="72" name="Straight Arrow Connector 56">
-              <a:extLst>
-                <a:ext uri="{FF2B5EF4-FFF2-40B4-BE49-F238E27FC236}">
-                  <a16:creationId xmlns:a16="http://schemas.microsoft.com/office/drawing/2014/main" id="{BF57BA39-663F-8140-A6EB-AC4857117EC6}"/>
-                </a:ext>
-              </a:extLst>
-            </p:cNvPr>
-            <p:cNvCxnSpPr>
-              <a:cxnSpLocks/>
-              <a:stCxn id="69" idx="2"/>
-              <a:endCxn id="10" idx="1"/>
-            </p:cNvCxnSpPr>
-            <p:nvPr/>
-          </p:nvCxnSpPr>
-          <p:spPr>
-            <a:xfrm rot="16200000" flipH="1">
-              <a:off x="-1872439" y="6323194"/>
-              <a:ext cx="6944048" cy="469474"/>
-            </a:xfrm>
-            <a:prstGeom prst="bentConnector2">
-              <a:avLst/>
-            </a:prstGeom>
-            <a:ln w="38100">
-              <a:solidFill>
-                <a:schemeClr val="tx1"/>
-              </a:solidFill>
-              <a:tailEnd type="triangle"/>
-            </a:ln>
-          </p:spPr>
-          <p:style>
-            <a:lnRef idx="1">
-              <a:schemeClr val="accent1"/>
-            </a:lnRef>
-            <a:fillRef idx="0">
-              <a:schemeClr val="accent1"/>
-            </a:fillRef>
-            <a:effectRef idx="0">
-              <a:schemeClr val="accent1"/>
-            </a:effectRef>
-            <a:fontRef idx="minor">
-              <a:schemeClr val="tx1"/>
-            </a:fontRef>
-          </p:style>
-        </p:cxnSp>
-        <p:sp>
-          <p:nvSpPr>
-            <p:cNvPr id="77" name="Google Shape;82;p19">
-              <a:extLst>
-                <a:ext uri="{FF2B5EF4-FFF2-40B4-BE49-F238E27FC236}">
-                  <a16:creationId xmlns:a16="http://schemas.microsoft.com/office/drawing/2014/main" id="{4D683DB3-67A9-9848-8CA7-6055AB03C291}"/>
-                </a:ext>
-              </a:extLst>
-            </p:cNvPr>
-            <p:cNvSpPr/>
-            <p:nvPr/>
-          </p:nvSpPr>
-          <p:spPr>
-            <a:xfrm>
-              <a:off x="2356834" y="10508307"/>
-              <a:ext cx="3334348" cy="496057"/>
-            </a:xfrm>
-            <a:prstGeom prst="roundRect">
-              <a:avLst>
-                <a:gd name="adj" fmla="val 19108"/>
-              </a:avLst>
-            </a:prstGeom>
-            <a:solidFill>
-              <a:schemeClr val="accent1"/>
-            </a:solidFill>
-            <a:ln w="9525" cap="flat" cmpd="sng">
-              <a:noFill/>
-              <a:prstDash val="solid"/>
-              <a:round/>
-              <a:headEnd type="none" w="sm" len="sm"/>
-              <a:tailEnd type="none" w="sm" len="sm"/>
-            </a:ln>
-          </p:spPr>
-          <p:txBody>
-            <a:bodyPr spcFirstLastPara="1" wrap="square" lIns="91425" tIns="0" rIns="91425" bIns="0" anchor="ctr" anchorCtr="0">
-              <a:noAutofit/>
-            </a:bodyPr>
-            <a:lstStyle/>
-            <a:p>
-              <a:pPr algn="ctr" fontAlgn="base">
-                <a:defRPr/>
-              </a:pPr>
-              <a:r>
-                <a:rPr lang="en-US" sz="2800" b="1" dirty="0" err="1">
+              <a:ln w="9525" cap="flat" cmpd="sng">
+                <a:noFill/>
+                <a:prstDash val="solid"/>
+                <a:round/>
+                <a:headEnd type="none" w="sm" len="sm"/>
+                <a:tailEnd type="none" w="sm" len="sm"/>
+              </a:ln>
+            </p:spPr>
+            <p:txBody>
+              <a:bodyPr spcFirstLastPara="1" wrap="square" lIns="91425" tIns="0" rIns="91425" bIns="0" anchor="ctr" anchorCtr="0">
+                <a:noAutofit/>
+              </a:bodyPr>
+              <a:lstStyle/>
+              <a:p>
+                <a:pPr algn="ctr" fontAlgn="base">
+                  <a:defRPr/>
+                </a:pPr>
+                <a:r>
+                  <a:rPr lang="en-US" sz="2800" b="1" dirty="0" err="1">
+                    <a:solidFill>
+                      <a:srgbClr val="FFFFFF"/>
+                    </a:solidFill>
+                    <a:latin typeface="Courier New" panose="02070309020205020404" pitchFamily="49" charset="0"/>
+                    <a:ea typeface="ＭＳ Ｐゴシック" charset="0"/>
+                    <a:cs typeface="Courier New" panose="02070309020205020404" pitchFamily="49" charset="0"/>
+                  </a:rPr>
+                  <a:t>sleep_wake</a:t>
+                </a:r>
+                <a:endParaRPr lang="en-US" sz="2000" b="1" dirty="0">
                   <a:solidFill>
                     <a:srgbClr val="FFFFFF"/>
                   </a:solidFill>
                   <a:latin typeface="Courier New" panose="02070309020205020404" pitchFamily="49" charset="0"/>
                   <a:ea typeface="ＭＳ Ｐゴシック" charset="0"/>
                   <a:cs typeface="Courier New" panose="02070309020205020404" pitchFamily="49" charset="0"/>
-                </a:rPr>
-                <a:t>sleep_wake</a:t>
-              </a:r>
-              <a:endParaRPr lang="en-US" sz="2000" b="1" dirty="0">
-                <a:solidFill>
-                  <a:srgbClr val="FFFFFF"/>
-                </a:solidFill>
-                <a:latin typeface="Courier New" panose="02070309020205020404" pitchFamily="49" charset="0"/>
-                <a:ea typeface="ＭＳ Ｐゴシック" charset="0"/>
-                <a:cs typeface="Courier New" panose="02070309020205020404" pitchFamily="49" charset="0"/>
-              </a:endParaRPr>
-            </a:p>
-          </p:txBody>
-        </p:sp>
-        <p:sp>
-          <p:nvSpPr>
-            <p:cNvPr id="78" name="Google Shape;82;p19">
-              <a:extLst>
-                <a:ext uri="{FF2B5EF4-FFF2-40B4-BE49-F238E27FC236}">
-                  <a16:creationId xmlns:a16="http://schemas.microsoft.com/office/drawing/2014/main" id="{10C0F7DD-ECF5-134F-B298-129921C47365}"/>
-                </a:ext>
-              </a:extLst>
-            </p:cNvPr>
-            <p:cNvSpPr/>
-            <p:nvPr/>
-          </p:nvSpPr>
-          <p:spPr>
-            <a:xfrm>
-              <a:off x="2356834" y="11660784"/>
-              <a:ext cx="3334348" cy="496057"/>
-            </a:xfrm>
-            <a:prstGeom prst="roundRect">
-              <a:avLst>
-                <a:gd name="adj" fmla="val 19108"/>
-              </a:avLst>
-            </a:prstGeom>
-            <a:solidFill>
-              <a:schemeClr val="accent1"/>
-            </a:solidFill>
-            <a:ln w="9525" cap="flat" cmpd="sng">
-              <a:noFill/>
-              <a:prstDash val="solid"/>
-              <a:round/>
-              <a:headEnd type="none" w="sm" len="sm"/>
-              <a:tailEnd type="none" w="sm" len="sm"/>
-            </a:ln>
-          </p:spPr>
-          <p:txBody>
-            <a:bodyPr spcFirstLastPara="1" wrap="square" lIns="91425" tIns="0" rIns="91425" bIns="0" anchor="ctr" anchorCtr="0">
-              <a:noAutofit/>
-            </a:bodyPr>
-            <a:lstStyle/>
-            <a:p>
-              <a:pPr algn="ctr" fontAlgn="base">
-                <a:defRPr/>
-              </a:pPr>
-              <a:r>
-                <a:rPr lang="en-US" sz="2700" b="1" dirty="0" err="1">
+                </a:endParaRPr>
+              </a:p>
+            </p:txBody>
+          </p:sp>
+          <p:sp>
+            <p:nvSpPr>
+              <p:cNvPr id="78" name="Google Shape;82;p19">
+                <a:extLst>
+                  <a:ext uri="{FF2B5EF4-FFF2-40B4-BE49-F238E27FC236}">
+                    <a16:creationId xmlns:a16="http://schemas.microsoft.com/office/drawing/2014/main" id="{10C0F7DD-ECF5-134F-B298-129921C47365}"/>
+                  </a:ext>
+                </a:extLst>
+              </p:cNvPr>
+              <p:cNvSpPr/>
+              <p:nvPr/>
+            </p:nvSpPr>
+            <p:spPr>
+              <a:xfrm>
+                <a:off x="2356834" y="11344878"/>
+                <a:ext cx="3334348" cy="496057"/>
+              </a:xfrm>
+              <a:prstGeom prst="roundRect">
+                <a:avLst>
+                  <a:gd name="adj" fmla="val 19108"/>
+                </a:avLst>
+              </a:prstGeom>
+              <a:solidFill>
+                <a:schemeClr val="accent1"/>
+              </a:solidFill>
+              <a:ln w="9525" cap="flat" cmpd="sng">
+                <a:noFill/>
+                <a:prstDash val="solid"/>
+                <a:round/>
+                <a:headEnd type="none" w="sm" len="sm"/>
+                <a:tailEnd type="none" w="sm" len="sm"/>
+              </a:ln>
+            </p:spPr>
+            <p:txBody>
+              <a:bodyPr spcFirstLastPara="1" wrap="square" lIns="91425" tIns="0" rIns="91425" bIns="0" anchor="ctr" anchorCtr="0">
+                <a:noAutofit/>
+              </a:bodyPr>
+              <a:lstStyle/>
+              <a:p>
+                <a:pPr algn="ctr" fontAlgn="base">
+                  <a:defRPr/>
+                </a:pPr>
+                <a:r>
+                  <a:rPr lang="en-US" sz="2700" b="1" dirty="0" err="1">
+                    <a:solidFill>
+                      <a:srgbClr val="FFFFFF"/>
+                    </a:solidFill>
+                    <a:latin typeface="Courier New" panose="02070309020205020404" pitchFamily="49" charset="0"/>
+                    <a:ea typeface="ＭＳ Ｐゴシック" charset="0"/>
+                    <a:cs typeface="Courier New" panose="02070309020205020404" pitchFamily="49" charset="0"/>
+                  </a:rPr>
+                  <a:t>sleep_endpoints</a:t>
+                </a:r>
+                <a:endParaRPr lang="en-US" sz="2700" b="1" dirty="0">
                   <a:solidFill>
                     <a:srgbClr val="FFFFFF"/>
                   </a:solidFill>
                   <a:latin typeface="Courier New" panose="02070309020205020404" pitchFamily="49" charset="0"/>
                   <a:ea typeface="ＭＳ Ｐゴシック" charset="0"/>
                   <a:cs typeface="Courier New" panose="02070309020205020404" pitchFamily="49" charset="0"/>
-                </a:rPr>
-                <a:t>sleep_endpoints</a:t>
-              </a:r>
-              <a:endParaRPr lang="en-US" sz="2700" b="1" dirty="0">
+                </a:endParaRPr>
+              </a:p>
+            </p:txBody>
+          </p:sp>
+          <p:sp>
+            <p:nvSpPr>
+              <p:cNvPr id="93" name="Google Shape;82;p19">
+                <a:extLst>
+                  <a:ext uri="{FF2B5EF4-FFF2-40B4-BE49-F238E27FC236}">
+                    <a16:creationId xmlns:a16="http://schemas.microsoft.com/office/drawing/2014/main" id="{5BD9B6E7-B57E-3B4F-99F0-393516FB5CF9}"/>
+                  </a:ext>
+                </a:extLst>
+              </p:cNvPr>
+              <p:cNvSpPr/>
+              <p:nvPr/>
+            </p:nvSpPr>
+            <p:spPr>
+              <a:xfrm>
+                <a:off x="1834321" y="9635555"/>
+                <a:ext cx="469475" cy="596293"/>
+              </a:xfrm>
+              <a:prstGeom prst="roundRect">
+                <a:avLst>
+                  <a:gd name="adj" fmla="val 19108"/>
+                </a:avLst>
+              </a:prstGeom>
+              <a:solidFill>
+                <a:schemeClr val="accent1"/>
+              </a:solidFill>
+              <a:ln w="9525" cap="flat" cmpd="sng">
+                <a:noFill/>
+                <a:prstDash val="solid"/>
+                <a:round/>
+                <a:headEnd type="none" w="sm" len="sm"/>
+                <a:tailEnd type="none" w="sm" len="sm"/>
+              </a:ln>
+            </p:spPr>
+            <p:txBody>
+              <a:bodyPr spcFirstLastPara="1" wrap="square" lIns="91425" tIns="0" rIns="91425" bIns="0" anchor="ctr" anchorCtr="0">
+                <a:noAutofit/>
+              </a:bodyPr>
+              <a:lstStyle/>
+              <a:p>
+                <a:pPr algn="ctr" fontAlgn="base">
+                  <a:defRPr/>
+                </a:pPr>
+                <a:endParaRPr lang="en-US" sz="1600" b="1" dirty="0">
+                  <a:solidFill>
+                    <a:srgbClr val="FFFFFF"/>
+                  </a:solidFill>
+                  <a:latin typeface="Arial" panose="020B0604020202020204" pitchFamily="34" charset="0"/>
+                  <a:ea typeface="ＭＳ Ｐゴシック" charset="0"/>
+                  <a:cs typeface="Arial" panose="020B0604020202020204" pitchFamily="34" charset="0"/>
+                </a:endParaRPr>
+              </a:p>
+            </p:txBody>
+          </p:sp>
+          <p:cxnSp>
+            <p:nvCxnSpPr>
+              <p:cNvPr id="94" name="Straight Arrow Connector 56">
+                <a:extLst>
+                  <a:ext uri="{FF2B5EF4-FFF2-40B4-BE49-F238E27FC236}">
+                    <a16:creationId xmlns:a16="http://schemas.microsoft.com/office/drawing/2014/main" id="{F18C5500-8104-264B-A503-FD1525C84285}"/>
+                  </a:ext>
+                </a:extLst>
+              </p:cNvPr>
+              <p:cNvCxnSpPr>
+                <a:cxnSpLocks/>
+                <a:stCxn id="93" idx="2"/>
+                <a:endCxn id="77" idx="1"/>
+              </p:cNvCxnSpPr>
+              <p:nvPr/>
+            </p:nvCxnSpPr>
+            <p:spPr>
+              <a:xfrm rot="16200000" flipH="1">
+                <a:off x="2046954" y="10253952"/>
+                <a:ext cx="331984" cy="287775"/>
+              </a:xfrm>
+              <a:prstGeom prst="bentConnector2">
+                <a:avLst/>
+              </a:prstGeom>
+              <a:ln w="38100">
                 <a:solidFill>
-                  <a:srgbClr val="FFFFFF"/>
+                  <a:schemeClr val="tx1"/>
                 </a:solidFill>
-                <a:latin typeface="Courier New" panose="02070309020205020404" pitchFamily="49" charset="0"/>
-                <a:ea typeface="ＭＳ Ｐゴシック" charset="0"/>
-                <a:cs typeface="Courier New" panose="02070309020205020404" pitchFamily="49" charset="0"/>
-              </a:endParaRPr>
-            </a:p>
-          </p:txBody>
-        </p:sp>
-        <p:sp>
-          <p:nvSpPr>
-            <p:cNvPr id="93" name="Google Shape;82;p19">
-              <a:extLst>
-                <a:ext uri="{FF2B5EF4-FFF2-40B4-BE49-F238E27FC236}">
-                  <a16:creationId xmlns:a16="http://schemas.microsoft.com/office/drawing/2014/main" id="{5BD9B6E7-B57E-3B4F-99F0-393516FB5CF9}"/>
-                </a:ext>
-              </a:extLst>
-            </p:cNvPr>
-            <p:cNvSpPr/>
-            <p:nvPr/>
-          </p:nvSpPr>
-          <p:spPr>
-            <a:xfrm>
-              <a:off x="1834321" y="9731807"/>
-              <a:ext cx="469475" cy="596293"/>
-            </a:xfrm>
-            <a:prstGeom prst="roundRect">
-              <a:avLst>
-                <a:gd name="adj" fmla="val 19108"/>
-              </a:avLst>
-            </a:prstGeom>
-            <a:solidFill>
-              <a:schemeClr val="accent1"/>
-            </a:solidFill>
-            <a:ln w="9525" cap="flat" cmpd="sng">
-              <a:noFill/>
-              <a:prstDash val="solid"/>
-              <a:round/>
-              <a:headEnd type="none" w="sm" len="sm"/>
-              <a:tailEnd type="none" w="sm" len="sm"/>
-            </a:ln>
-          </p:spPr>
-          <p:txBody>
-            <a:bodyPr spcFirstLastPara="1" wrap="square" lIns="91425" tIns="0" rIns="91425" bIns="0" anchor="ctr" anchorCtr="0">
-              <a:noAutofit/>
-            </a:bodyPr>
-            <a:lstStyle/>
-            <a:p>
-              <a:pPr algn="ctr" fontAlgn="base">
-                <a:defRPr/>
-              </a:pPr>
-              <a:endParaRPr lang="en-US" sz="1600" b="1" dirty="0">
+                <a:tailEnd type="triangle"/>
+              </a:ln>
+            </p:spPr>
+            <p:style>
+              <a:lnRef idx="1">
+                <a:schemeClr val="accent1"/>
+              </a:lnRef>
+              <a:fillRef idx="0">
+                <a:schemeClr val="accent1"/>
+              </a:fillRef>
+              <a:effectRef idx="0">
+                <a:schemeClr val="accent1"/>
+              </a:effectRef>
+              <a:fontRef idx="minor">
+                <a:schemeClr val="tx1"/>
+              </a:fontRef>
+            </p:style>
+          </p:cxnSp>
+          <p:cxnSp>
+            <p:nvCxnSpPr>
+              <p:cNvPr id="96" name="Straight Arrow Connector 56">
+                <a:extLst>
+                  <a:ext uri="{FF2B5EF4-FFF2-40B4-BE49-F238E27FC236}">
+                    <a16:creationId xmlns:a16="http://schemas.microsoft.com/office/drawing/2014/main" id="{BE5B9CB1-35A3-C042-ACE6-74AA85F5F336}"/>
+                  </a:ext>
+                </a:extLst>
+              </p:cNvPr>
+              <p:cNvCxnSpPr>
+                <a:cxnSpLocks/>
+                <a:stCxn id="93" idx="2"/>
+                <a:endCxn id="78" idx="1"/>
+              </p:cNvCxnSpPr>
+              <p:nvPr/>
+            </p:nvCxnSpPr>
+            <p:spPr>
+              <a:xfrm rot="16200000" flipH="1">
+                <a:off x="1532417" y="10768489"/>
+                <a:ext cx="1361059" cy="287775"/>
+              </a:xfrm>
+              <a:prstGeom prst="bentConnector2">
+                <a:avLst/>
+              </a:prstGeom>
+              <a:ln w="38100">
                 <a:solidFill>
-                  <a:srgbClr val="FFFFFF"/>
+                  <a:schemeClr val="tx1"/>
                 </a:solidFill>
-                <a:latin typeface="Arial" panose="020B0604020202020204" pitchFamily="34" charset="0"/>
-                <a:ea typeface="ＭＳ Ｐゴシック" charset="0"/>
-                <a:cs typeface="Arial" panose="020B0604020202020204" pitchFamily="34" charset="0"/>
-              </a:endParaRPr>
-            </a:p>
-          </p:txBody>
-        </p:sp>
-        <p:cxnSp>
-          <p:nvCxnSpPr>
-            <p:cNvPr id="94" name="Straight Arrow Connector 56">
-              <a:extLst>
-                <a:ext uri="{FF2B5EF4-FFF2-40B4-BE49-F238E27FC236}">
-                  <a16:creationId xmlns:a16="http://schemas.microsoft.com/office/drawing/2014/main" id="{F18C5500-8104-264B-A503-FD1525C84285}"/>
-                </a:ext>
-              </a:extLst>
-            </p:cNvPr>
-            <p:cNvCxnSpPr>
-              <a:cxnSpLocks/>
-              <a:stCxn id="93" idx="2"/>
-              <a:endCxn id="77" idx="1"/>
-            </p:cNvCxnSpPr>
-            <p:nvPr/>
-          </p:nvCxnSpPr>
-          <p:spPr>
-            <a:xfrm rot="16200000" flipH="1">
-              <a:off x="1998828" y="10398330"/>
-              <a:ext cx="428236" cy="287775"/>
-            </a:xfrm>
-            <a:prstGeom prst="bentConnector2">
-              <a:avLst/>
-            </a:prstGeom>
-            <a:ln w="38100">
+                <a:tailEnd type="triangle"/>
+              </a:ln>
+            </p:spPr>
+            <p:style>
+              <a:lnRef idx="1">
+                <a:schemeClr val="accent1"/>
+              </a:lnRef>
+              <a:fillRef idx="0">
+                <a:schemeClr val="accent1"/>
+              </a:fillRef>
+              <a:effectRef idx="0">
+                <a:schemeClr val="accent1"/>
+              </a:effectRef>
+              <a:fontRef idx="minor">
+                <a:schemeClr val="tx1"/>
+              </a:fontRef>
+            </p:style>
+          </p:cxnSp>
+          <p:sp>
+            <p:nvSpPr>
+              <p:cNvPr id="114" name="Google Shape;82;p19">
+                <a:extLst>
+                  <a:ext uri="{FF2B5EF4-FFF2-40B4-BE49-F238E27FC236}">
+                    <a16:creationId xmlns:a16="http://schemas.microsoft.com/office/drawing/2014/main" id="{CE1E1BBA-9EC1-4546-BCCB-933CFB158051}"/>
+                  </a:ext>
+                </a:extLst>
+              </p:cNvPr>
+              <p:cNvSpPr/>
+              <p:nvPr/>
+            </p:nvSpPr>
+            <p:spPr>
+              <a:xfrm>
+                <a:off x="2356834" y="13427489"/>
+                <a:ext cx="3334348" cy="496057"/>
+              </a:xfrm>
+              <a:prstGeom prst="roundRect">
+                <a:avLst>
+                  <a:gd name="adj" fmla="val 19108"/>
+                </a:avLst>
+              </a:prstGeom>
               <a:solidFill>
-                <a:schemeClr val="tx1"/>
+                <a:schemeClr val="accent1"/>
               </a:solidFill>
-              <a:tailEnd type="triangle"/>
-            </a:ln>
-          </p:spPr>
-          <p:style>
-            <a:lnRef idx="1">
-              <a:schemeClr val="accent1"/>
-            </a:lnRef>
-            <a:fillRef idx="0">
-              <a:schemeClr val="accent1"/>
-            </a:fillRef>
-            <a:effectRef idx="0">
-              <a:schemeClr val="accent1"/>
-            </a:effectRef>
-            <a:fontRef idx="minor">
-              <a:schemeClr val="tx1"/>
-            </a:fontRef>
-          </p:style>
-        </p:cxnSp>
-        <p:cxnSp>
-          <p:nvCxnSpPr>
-            <p:cNvPr id="96" name="Straight Arrow Connector 56">
-              <a:extLst>
-                <a:ext uri="{FF2B5EF4-FFF2-40B4-BE49-F238E27FC236}">
-                  <a16:creationId xmlns:a16="http://schemas.microsoft.com/office/drawing/2014/main" id="{BE5B9CB1-35A3-C042-ACE6-74AA85F5F336}"/>
-                </a:ext>
-              </a:extLst>
-            </p:cNvPr>
-            <p:cNvCxnSpPr>
-              <a:cxnSpLocks/>
-              <a:stCxn id="93" idx="2"/>
-              <a:endCxn id="78" idx="1"/>
-            </p:cNvCxnSpPr>
-            <p:nvPr/>
-          </p:nvCxnSpPr>
-          <p:spPr>
-            <a:xfrm rot="16200000" flipH="1">
-              <a:off x="1422590" y="10974568"/>
-              <a:ext cx="1580713" cy="287775"/>
-            </a:xfrm>
-            <a:prstGeom prst="bentConnector2">
-              <a:avLst/>
-            </a:prstGeom>
-            <a:ln w="38100">
-              <a:solidFill>
-                <a:schemeClr val="tx1"/>
-              </a:solidFill>
-              <a:tailEnd type="triangle"/>
-            </a:ln>
-          </p:spPr>
-          <p:style>
-            <a:lnRef idx="1">
-              <a:schemeClr val="accent1"/>
-            </a:lnRef>
-            <a:fillRef idx="0">
-              <a:schemeClr val="accent1"/>
-            </a:fillRef>
-            <a:effectRef idx="0">
-              <a:schemeClr val="accent1"/>
-            </a:effectRef>
-            <a:fontRef idx="minor">
-              <a:schemeClr val="tx1"/>
-            </a:fontRef>
-          </p:style>
-        </p:cxnSp>
-        <p:sp>
-          <p:nvSpPr>
-            <p:cNvPr id="114" name="Google Shape;82;p19">
-              <a:extLst>
-                <a:ext uri="{FF2B5EF4-FFF2-40B4-BE49-F238E27FC236}">
-                  <a16:creationId xmlns:a16="http://schemas.microsoft.com/office/drawing/2014/main" id="{CE1E1BBA-9EC1-4546-BCCB-933CFB158051}"/>
-                </a:ext>
-              </a:extLst>
-            </p:cNvPr>
-            <p:cNvSpPr/>
-            <p:nvPr/>
-          </p:nvSpPr>
-          <p:spPr>
-            <a:xfrm>
-              <a:off x="2356834" y="12299595"/>
-              <a:ext cx="3334348" cy="496057"/>
-            </a:xfrm>
-            <a:prstGeom prst="roundRect">
-              <a:avLst>
-                <a:gd name="adj" fmla="val 19108"/>
-              </a:avLst>
-            </a:prstGeom>
-            <a:solidFill>
-              <a:schemeClr val="accent1"/>
-            </a:solidFill>
-            <a:ln w="9525" cap="flat" cmpd="sng">
-              <a:noFill/>
-              <a:prstDash val="solid"/>
-              <a:round/>
-              <a:headEnd type="none" w="sm" len="sm"/>
-              <a:tailEnd type="none" w="sm" len="sm"/>
-            </a:ln>
-          </p:spPr>
-          <p:txBody>
-            <a:bodyPr spcFirstLastPara="1" wrap="square" lIns="91425" tIns="0" rIns="91425" bIns="0" anchor="ctr" anchorCtr="0">
-              <a:noAutofit/>
-            </a:bodyPr>
-            <a:lstStyle/>
-            <a:p>
-              <a:pPr algn="ctr" fontAlgn="base">
-                <a:defRPr/>
-              </a:pPr>
-              <a:r>
-                <a:rPr lang="en-US" sz="2800" b="1" dirty="0">
+              <a:ln w="9525" cap="flat" cmpd="sng">
+                <a:noFill/>
+                <a:prstDash val="solid"/>
+                <a:round/>
+                <a:headEnd type="none" w="sm" len="sm"/>
+                <a:tailEnd type="none" w="sm" len="sm"/>
+              </a:ln>
+            </p:spPr>
+            <p:txBody>
+              <a:bodyPr spcFirstLastPara="1" wrap="square" lIns="91425" tIns="0" rIns="91425" bIns="0" anchor="ctr" anchorCtr="0">
+                <a:noAutofit/>
+              </a:bodyPr>
+              <a:lstStyle/>
+              <a:p>
+                <a:pPr algn="ctr" fontAlgn="base">
+                  <a:defRPr/>
+                </a:pPr>
+                <a:r>
+                  <a:rPr lang="en-US" sz="2800" b="1" dirty="0">
+                    <a:solidFill>
+                      <a:srgbClr val="FFFFFF"/>
+                    </a:solidFill>
+                    <a:latin typeface="Courier New" panose="02070309020205020404" pitchFamily="49" charset="0"/>
+                    <a:ea typeface="ＭＳ Ｐゴシック" charset="0"/>
+                    <a:cs typeface="Courier New" panose="02070309020205020404" pitchFamily="49" charset="0"/>
+                  </a:rPr>
+                  <a:t>plotting</a:t>
+                </a:r>
+                <a:endParaRPr lang="en-US" b="1" dirty="0">
                   <a:solidFill>
                     <a:srgbClr val="FFFFFF"/>
                   </a:solidFill>
                   <a:latin typeface="Courier New" panose="02070309020205020404" pitchFamily="49" charset="0"/>
                   <a:ea typeface="ＭＳ Ｐゴシック" charset="0"/>
                   <a:cs typeface="Courier New" panose="02070309020205020404" pitchFamily="49" charset="0"/>
-                </a:rPr>
-                <a:t>plotting</a:t>
-              </a:r>
-              <a:endParaRPr lang="en-US" b="1" dirty="0">
+                </a:endParaRPr>
+              </a:p>
+            </p:txBody>
+          </p:sp>
+          <p:cxnSp>
+            <p:nvCxnSpPr>
+              <p:cNvPr id="115" name="Straight Arrow Connector 56">
+                <a:extLst>
+                  <a:ext uri="{FF2B5EF4-FFF2-40B4-BE49-F238E27FC236}">
+                    <a16:creationId xmlns:a16="http://schemas.microsoft.com/office/drawing/2014/main" id="{7CFA1ECA-5CE3-9645-B515-F7823F2F7438}"/>
+                  </a:ext>
+                </a:extLst>
+              </p:cNvPr>
+              <p:cNvCxnSpPr>
+                <a:cxnSpLocks/>
+                <a:stCxn id="93" idx="2"/>
+                <a:endCxn id="114" idx="1"/>
+              </p:cNvCxnSpPr>
+              <p:nvPr/>
+            </p:nvCxnSpPr>
+            <p:spPr>
+              <a:xfrm rot="16200000" flipH="1">
+                <a:off x="491111" y="11809795"/>
+                <a:ext cx="3443670" cy="287775"/>
+              </a:xfrm>
+              <a:prstGeom prst="bentConnector2">
+                <a:avLst/>
+              </a:prstGeom>
+              <a:ln w="38100">
                 <a:solidFill>
-                  <a:srgbClr val="FFFFFF"/>
+                  <a:schemeClr val="tx1"/>
                 </a:solidFill>
-                <a:latin typeface="Courier New" panose="02070309020205020404" pitchFamily="49" charset="0"/>
-                <a:ea typeface="ＭＳ Ｐゴシック" charset="0"/>
-                <a:cs typeface="Courier New" panose="02070309020205020404" pitchFamily="49" charset="0"/>
-              </a:endParaRPr>
-            </a:p>
-          </p:txBody>
-        </p:sp>
-        <p:cxnSp>
-          <p:nvCxnSpPr>
-            <p:cNvPr id="115" name="Straight Arrow Connector 56">
-              <a:extLst>
-                <a:ext uri="{FF2B5EF4-FFF2-40B4-BE49-F238E27FC236}">
-                  <a16:creationId xmlns:a16="http://schemas.microsoft.com/office/drawing/2014/main" id="{7CFA1ECA-5CE3-9645-B515-F7823F2F7438}"/>
-                </a:ext>
-              </a:extLst>
-            </p:cNvPr>
-            <p:cNvCxnSpPr>
-              <a:cxnSpLocks/>
-              <a:stCxn id="93" idx="2"/>
-              <a:endCxn id="114" idx="1"/>
-            </p:cNvCxnSpPr>
-            <p:nvPr/>
-          </p:nvCxnSpPr>
-          <p:spPr>
-            <a:xfrm rot="16200000" flipH="1">
-              <a:off x="1103184" y="11293974"/>
-              <a:ext cx="2219524" cy="287775"/>
-            </a:xfrm>
-            <a:prstGeom prst="bentConnector2">
-              <a:avLst/>
-            </a:prstGeom>
-            <a:ln w="38100">
-              <a:solidFill>
+                <a:tailEnd type="triangle"/>
+              </a:ln>
+            </p:spPr>
+            <p:style>
+              <a:lnRef idx="1">
+                <a:schemeClr val="accent1"/>
+              </a:lnRef>
+              <a:fillRef idx="0">
+                <a:schemeClr val="accent1"/>
+              </a:fillRef>
+              <a:effectRef idx="0">
+                <a:schemeClr val="accent1"/>
+              </a:effectRef>
+              <a:fontRef idx="minor">
                 <a:schemeClr val="tx1"/>
-              </a:solidFill>
-              <a:tailEnd type="triangle"/>
-            </a:ln>
-          </p:spPr>
-          <p:style>
-            <a:lnRef idx="1">
-              <a:schemeClr val="accent1"/>
-            </a:lnRef>
-            <a:fillRef idx="0">
-              <a:schemeClr val="accent1"/>
-            </a:fillRef>
-            <a:effectRef idx="0">
-              <a:schemeClr val="accent1"/>
-            </a:effectRef>
-            <a:fontRef idx="minor">
-              <a:schemeClr val="tx1"/>
-            </a:fontRef>
-          </p:style>
-        </p:cxnSp>
+              </a:fontRef>
+            </p:style>
+          </p:cxnSp>
+        </p:grpSp>
       </p:grpSp>
       <p:grpSp>
         <p:nvGrpSpPr>
@@ -4738,7 +4887,7 @@
         </p:nvGrpSpPr>
         <p:grpSpPr>
           <a:xfrm>
-            <a:off x="6702894" y="2079484"/>
+            <a:off x="6702894" y="1763656"/>
             <a:ext cx="4586400" cy="5872343"/>
             <a:chOff x="6702894" y="2136949"/>
             <a:chExt cx="4586400" cy="5872343"/>
@@ -5316,7 +5465,7 @@
         </p:nvGrpSpPr>
         <p:grpSpPr>
           <a:xfrm>
-            <a:off x="12301009" y="2079484"/>
+            <a:off x="12301009" y="1763656"/>
             <a:ext cx="4596064" cy="10994865"/>
             <a:chOff x="12301009" y="2136949"/>
             <a:chExt cx="4596064" cy="10994865"/>
@@ -6273,8 +6422,8 @@
         </p:nvCxnSpPr>
         <p:spPr>
           <a:xfrm rot="5400000">
-            <a:off x="5833696" y="-1087153"/>
-            <a:ext cx="729730" cy="5603541"/>
+            <a:off x="5919422" y="-1317255"/>
+            <a:ext cx="558280" cy="5603539"/>
           </a:xfrm>
           <a:prstGeom prst="bentConnector3">
             <a:avLst>
@@ -6321,8 +6470,8 @@
         </p:nvCxnSpPr>
         <p:spPr>
           <a:xfrm rot="16200000" flipH="1">
-            <a:off x="11432405" y="-1082322"/>
-            <a:ext cx="729730" cy="5593878"/>
+            <a:off x="11518129" y="-1312424"/>
+            <a:ext cx="558282" cy="5593878"/>
           </a:xfrm>
           <a:prstGeom prst="bentConnector3">
             <a:avLst>
@@ -6369,8 +6518,8 @@
         </p:nvCxnSpPr>
         <p:spPr>
           <a:xfrm rot="5400000">
-            <a:off x="8633348" y="1712500"/>
-            <a:ext cx="729730" cy="4237"/>
+            <a:off x="8719072" y="1482397"/>
+            <a:ext cx="558282" cy="4237"/>
           </a:xfrm>
           <a:prstGeom prst="bentConnector3">
             <a:avLst>
